--- a/Presentation.pptx
+++ b/Presentation.pptx
@@ -251,7 +251,7 @@
           <p:cNvPr id="2" name="Header Placeholder 1">
             <a:extLst>
               <a:ext uri="{FF2B5EF4-FFF2-40B4-BE49-F238E27FC236}">
-                <a16:creationId xmlns="" xmlns:a16="http://schemas.microsoft.com/office/drawing/2014/main" id="{51A50702-3C68-4B14-B819-72B57D27F94A}"/>
+                <a16:creationId xmlns:a16="http://schemas.microsoft.com/office/drawing/2014/main" xmlns="" id="{51A50702-3C68-4B14-B819-72B57D27F94A}"/>
               </a:ext>
             </a:extLst>
           </p:cNvPr>
@@ -288,7 +288,7 @@
           <p:cNvPr id="3" name="Date Placeholder 2">
             <a:extLst>
               <a:ext uri="{FF2B5EF4-FFF2-40B4-BE49-F238E27FC236}">
-                <a16:creationId xmlns="" xmlns:a16="http://schemas.microsoft.com/office/drawing/2014/main" id="{EF0F4880-E690-44D0-8356-A9E7BDBAB098}"/>
+                <a16:creationId xmlns:a16="http://schemas.microsoft.com/office/drawing/2014/main" xmlns="" id="{EF0F4880-E690-44D0-8356-A9E7BDBAB098}"/>
               </a:ext>
             </a:extLst>
           </p:cNvPr>
@@ -318,7 +318,7 @@
           <a:p>
             <a:fld id="{4BE6205E-B305-4B90-9534-3C5E99A0275E}" type="datetimeFigureOut">
               <a:rPr lang="en-US" smtClean="0"/>
-              <a:t>6/7/2024</a:t>
+              <a:t>7/8/2024</a:t>
             </a:fld>
             <a:endParaRPr lang="en-US" dirty="0"/>
           </a:p>
@@ -329,7 +329,7 @@
           <p:cNvPr id="4" name="Footer Placeholder 3">
             <a:extLst>
               <a:ext uri="{FF2B5EF4-FFF2-40B4-BE49-F238E27FC236}">
-                <a16:creationId xmlns="" xmlns:a16="http://schemas.microsoft.com/office/drawing/2014/main" id="{26B4ACF6-39FD-4B08-A7D5-5BFDC37B4625}"/>
+                <a16:creationId xmlns:a16="http://schemas.microsoft.com/office/drawing/2014/main" xmlns="" id="{26B4ACF6-39FD-4B08-A7D5-5BFDC37B4625}"/>
               </a:ext>
             </a:extLst>
           </p:cNvPr>
@@ -366,7 +366,7 @@
           <p:cNvPr id="5" name="Slide Number Placeholder 4">
             <a:extLst>
               <a:ext uri="{FF2B5EF4-FFF2-40B4-BE49-F238E27FC236}">
-                <a16:creationId xmlns="" xmlns:a16="http://schemas.microsoft.com/office/drawing/2014/main" id="{AF7C9FD2-2C57-4DE7-8EA4-86DEE80B988D}"/>
+                <a16:creationId xmlns:a16="http://schemas.microsoft.com/office/drawing/2014/main" xmlns="" id="{AF7C9FD2-2C57-4DE7-8EA4-86DEE80B988D}"/>
               </a:ext>
             </a:extLst>
           </p:cNvPr>
@@ -495,7 +495,7 @@
           <a:p>
             <a:fld id="{233722F1-E430-42A1-A473-1759336AECCE}" type="datetimeFigureOut">
               <a:rPr lang="en-US" smtClean="0"/>
-              <a:t>6/7/2024</a:t>
+              <a:t>7/8/2024</a:t>
             </a:fld>
             <a:endParaRPr lang="en-US" dirty="0"/>
           </a:p>
@@ -1802,10 +1802,10 @@
           <p:cNvPr id="2" name="Rectangle 1">
             <a:extLst>
               <a:ext uri="{FF2B5EF4-FFF2-40B4-BE49-F238E27FC236}">
-                <a16:creationId xmlns="" xmlns:a16="http://schemas.microsoft.com/office/drawing/2014/main" id="{E1B5E70F-EF03-B535-2505-BC971E3BC36D}"/>
+                <a16:creationId xmlns:a16="http://schemas.microsoft.com/office/drawing/2014/main" xmlns="" id="{E1B5E70F-EF03-B535-2505-BC971E3BC36D}"/>
               </a:ext>
               <a:ext uri="{C183D7F6-B498-43B3-948B-1728B52AA6E4}">
-                <adec:decorative xmlns="" xmlns:adec="http://schemas.microsoft.com/office/drawing/2017/decorative" val="1"/>
+                <adec:decorative xmlns:adec="http://schemas.microsoft.com/office/drawing/2017/decorative" xmlns="" val="1"/>
               </a:ext>
             </a:extLst>
           </p:cNvPr>
@@ -1860,10 +1860,10 @@
           <p:cNvPr id="3" name="Straight Connector 2">
             <a:extLst>
               <a:ext uri="{FF2B5EF4-FFF2-40B4-BE49-F238E27FC236}">
-                <a16:creationId xmlns="" xmlns:a16="http://schemas.microsoft.com/office/drawing/2014/main" id="{8794424E-93DD-A404-D05E-EF6030A76D3B}"/>
+                <a16:creationId xmlns:a16="http://schemas.microsoft.com/office/drawing/2014/main" xmlns="" id="{8794424E-93DD-A404-D05E-EF6030A76D3B}"/>
               </a:ext>
               <a:ext uri="{C183D7F6-B498-43B3-948B-1728B52AA6E4}">
-                <adec:decorative xmlns="" xmlns:adec="http://schemas.microsoft.com/office/drawing/2017/decorative" val="1"/>
+                <adec:decorative xmlns:adec="http://schemas.microsoft.com/office/drawing/2017/decorative" xmlns="" val="1"/>
               </a:ext>
             </a:extLst>
           </p:cNvPr>
@@ -1909,10 +1909,10 @@
           <p:cNvPr id="7" name="Rectangle 6">
             <a:extLst>
               <a:ext uri="{FF2B5EF4-FFF2-40B4-BE49-F238E27FC236}">
-                <a16:creationId xmlns="" xmlns:a16="http://schemas.microsoft.com/office/drawing/2014/main" id="{B03A3B6B-5129-A46A-A20C-5D7BC706C9B1}"/>
+                <a16:creationId xmlns:a16="http://schemas.microsoft.com/office/drawing/2014/main" xmlns="" id="{B03A3B6B-5129-A46A-A20C-5D7BC706C9B1}"/>
               </a:ext>
               <a:ext uri="{C183D7F6-B498-43B3-948B-1728B52AA6E4}">
-                <adec:decorative xmlns="" xmlns:adec="http://schemas.microsoft.com/office/drawing/2017/decorative" val="1"/>
+                <adec:decorative xmlns:adec="http://schemas.microsoft.com/office/drawing/2017/decorative" xmlns="" val="1"/>
               </a:ext>
             </a:extLst>
           </p:cNvPr>
@@ -1967,7 +1967,7 @@
           <p:cNvPr id="8" name="Title 7">
             <a:extLst>
               <a:ext uri="{FF2B5EF4-FFF2-40B4-BE49-F238E27FC236}">
-                <a16:creationId xmlns="" xmlns:a16="http://schemas.microsoft.com/office/drawing/2014/main" id="{24E401A1-8CEE-5E1B-343B-D737433AE63F}"/>
+                <a16:creationId xmlns:a16="http://schemas.microsoft.com/office/drawing/2014/main" xmlns="" id="{24E401A1-8CEE-5E1B-343B-D737433AE63F}"/>
               </a:ext>
             </a:extLst>
           </p:cNvPr>
@@ -2058,7 +2058,7 @@
           <p:cNvPr id="7" name="Title 6">
             <a:extLst>
               <a:ext uri="{FF2B5EF4-FFF2-40B4-BE49-F238E27FC236}">
-                <a16:creationId xmlns="" xmlns:a16="http://schemas.microsoft.com/office/drawing/2014/main" id="{75B3424C-4925-A7F7-02CD-84526B2E22EF}"/>
+                <a16:creationId xmlns:a16="http://schemas.microsoft.com/office/drawing/2014/main" xmlns="" id="{75B3424C-4925-A7F7-02CD-84526B2E22EF}"/>
               </a:ext>
             </a:extLst>
           </p:cNvPr>
@@ -2097,7 +2097,7 @@
           <p:cNvPr id="4" name="Content Placeholder 7">
             <a:extLst>
               <a:ext uri="{FF2B5EF4-FFF2-40B4-BE49-F238E27FC236}">
-                <a16:creationId xmlns="" xmlns:a16="http://schemas.microsoft.com/office/drawing/2014/main" id="{C355854D-70C0-E6E1-2A0C-284D00A21AEC}"/>
+                <a16:creationId xmlns:a16="http://schemas.microsoft.com/office/drawing/2014/main" xmlns="" id="{C355854D-70C0-E6E1-2A0C-284D00A21AEC}"/>
               </a:ext>
             </a:extLst>
           </p:cNvPr>
@@ -2223,7 +2223,7 @@
           <p:cNvPr id="12" name="Content Placeholder 7">
             <a:extLst>
               <a:ext uri="{FF2B5EF4-FFF2-40B4-BE49-F238E27FC236}">
-                <a16:creationId xmlns="" xmlns:a16="http://schemas.microsoft.com/office/drawing/2014/main" id="{617CE1C3-9892-2E23-986F-80ABB41823D6}"/>
+                <a16:creationId xmlns:a16="http://schemas.microsoft.com/office/drawing/2014/main" xmlns="" id="{617CE1C3-9892-2E23-986F-80ABB41823D6}"/>
               </a:ext>
             </a:extLst>
           </p:cNvPr>
@@ -2348,10 +2348,10 @@
           <p:cNvPr id="5" name="Rectangle 4">
             <a:extLst>
               <a:ext uri="{FF2B5EF4-FFF2-40B4-BE49-F238E27FC236}">
-                <a16:creationId xmlns="" xmlns:a16="http://schemas.microsoft.com/office/drawing/2014/main" id="{94389812-0415-9025-AB21-4503F7DF3AB5}"/>
+                <a16:creationId xmlns:a16="http://schemas.microsoft.com/office/drawing/2014/main" xmlns="" id="{94389812-0415-9025-AB21-4503F7DF3AB5}"/>
               </a:ext>
               <a:ext uri="{C183D7F6-B498-43B3-948B-1728B52AA6E4}">
-                <adec:decorative xmlns="" xmlns:adec="http://schemas.microsoft.com/office/drawing/2017/decorative" val="1"/>
+                <adec:decorative xmlns:adec="http://schemas.microsoft.com/office/drawing/2017/decorative" xmlns="" val="1"/>
               </a:ext>
             </a:extLst>
           </p:cNvPr>
@@ -2406,10 +2406,10 @@
           <p:cNvPr id="6" name="Straight Connector 5">
             <a:extLst>
               <a:ext uri="{FF2B5EF4-FFF2-40B4-BE49-F238E27FC236}">
-                <a16:creationId xmlns="" xmlns:a16="http://schemas.microsoft.com/office/drawing/2014/main" id="{6459A5A0-86AD-344B-A0E4-6C55958151EE}"/>
+                <a16:creationId xmlns:a16="http://schemas.microsoft.com/office/drawing/2014/main" xmlns="" id="{6459A5A0-86AD-344B-A0E4-6C55958151EE}"/>
               </a:ext>
               <a:ext uri="{C183D7F6-B498-43B3-948B-1728B52AA6E4}">
-                <adec:decorative xmlns="" xmlns:adec="http://schemas.microsoft.com/office/drawing/2017/decorative" val="1"/>
+                <adec:decorative xmlns:adec="http://schemas.microsoft.com/office/drawing/2017/decorative" xmlns="" val="1"/>
               </a:ext>
             </a:extLst>
           </p:cNvPr>
@@ -2455,7 +2455,7 @@
           <p:cNvPr id="3" name="Slide Number Placeholder 5">
             <a:extLst>
               <a:ext uri="{FF2B5EF4-FFF2-40B4-BE49-F238E27FC236}">
-                <a16:creationId xmlns="" xmlns:a16="http://schemas.microsoft.com/office/drawing/2014/main" id="{D7B331F9-6D4A-5020-969F-E961AF374E19}"/>
+                <a16:creationId xmlns:a16="http://schemas.microsoft.com/office/drawing/2014/main" xmlns="" id="{D7B331F9-6D4A-5020-969F-E961AF374E19}"/>
               </a:ext>
             </a:extLst>
           </p:cNvPr>
@@ -2531,7 +2531,7 @@
           <p:cNvPr id="7" name="Title 6">
             <a:extLst>
               <a:ext uri="{FF2B5EF4-FFF2-40B4-BE49-F238E27FC236}">
-                <a16:creationId xmlns="" xmlns:a16="http://schemas.microsoft.com/office/drawing/2014/main" id="{75B3424C-4925-A7F7-02CD-84526B2E22EF}"/>
+                <a16:creationId xmlns:a16="http://schemas.microsoft.com/office/drawing/2014/main" xmlns="" id="{75B3424C-4925-A7F7-02CD-84526B2E22EF}"/>
               </a:ext>
             </a:extLst>
           </p:cNvPr>
@@ -2570,7 +2570,7 @@
           <p:cNvPr id="8" name="Picture Placeholder 7">
             <a:extLst>
               <a:ext uri="{FF2B5EF4-FFF2-40B4-BE49-F238E27FC236}">
-                <a16:creationId xmlns="" xmlns:a16="http://schemas.microsoft.com/office/drawing/2014/main" id="{357912CB-B8F8-1E65-094F-AD3220E6C79C}"/>
+                <a16:creationId xmlns:a16="http://schemas.microsoft.com/office/drawing/2014/main" xmlns="" id="{357912CB-B8F8-1E65-094F-AD3220E6C79C}"/>
               </a:ext>
             </a:extLst>
           </p:cNvPr>
@@ -2610,7 +2610,7 @@
           <p:cNvPr id="12" name="Content Placeholder 7">
             <a:extLst>
               <a:ext uri="{FF2B5EF4-FFF2-40B4-BE49-F238E27FC236}">
-                <a16:creationId xmlns="" xmlns:a16="http://schemas.microsoft.com/office/drawing/2014/main" id="{617CE1C3-9892-2E23-986F-80ABB41823D6}"/>
+                <a16:creationId xmlns:a16="http://schemas.microsoft.com/office/drawing/2014/main" xmlns="" id="{617CE1C3-9892-2E23-986F-80ABB41823D6}"/>
               </a:ext>
             </a:extLst>
           </p:cNvPr>
@@ -2735,7 +2735,7 @@
           <p:cNvPr id="2" name="Slide Number Placeholder 5">
             <a:extLst>
               <a:ext uri="{FF2B5EF4-FFF2-40B4-BE49-F238E27FC236}">
-                <a16:creationId xmlns="" xmlns:a16="http://schemas.microsoft.com/office/drawing/2014/main" id="{8809D86D-3DDE-CA24-4CAA-DF6944B9BCBB}"/>
+                <a16:creationId xmlns:a16="http://schemas.microsoft.com/office/drawing/2014/main" xmlns="" id="{8809D86D-3DDE-CA24-4CAA-DF6944B9BCBB}"/>
               </a:ext>
             </a:extLst>
           </p:cNvPr>
@@ -2770,10 +2770,10 @@
           <p:cNvPr id="5" name="Rectangle 4">
             <a:extLst>
               <a:ext uri="{FF2B5EF4-FFF2-40B4-BE49-F238E27FC236}">
-                <a16:creationId xmlns="" xmlns:a16="http://schemas.microsoft.com/office/drawing/2014/main" id="{94389812-0415-9025-AB21-4503F7DF3AB5}"/>
+                <a16:creationId xmlns:a16="http://schemas.microsoft.com/office/drawing/2014/main" xmlns="" id="{94389812-0415-9025-AB21-4503F7DF3AB5}"/>
               </a:ext>
               <a:ext uri="{C183D7F6-B498-43B3-948B-1728B52AA6E4}">
-                <adec:decorative xmlns="" xmlns:adec="http://schemas.microsoft.com/office/drawing/2017/decorative" val="1"/>
+                <adec:decorative xmlns:adec="http://schemas.microsoft.com/office/drawing/2017/decorative" xmlns="" val="1"/>
               </a:ext>
             </a:extLst>
           </p:cNvPr>
@@ -2828,10 +2828,10 @@
           <p:cNvPr id="6" name="Straight Connector 5">
             <a:extLst>
               <a:ext uri="{FF2B5EF4-FFF2-40B4-BE49-F238E27FC236}">
-                <a16:creationId xmlns="" xmlns:a16="http://schemas.microsoft.com/office/drawing/2014/main" id="{6459A5A0-86AD-344B-A0E4-6C55958151EE}"/>
+                <a16:creationId xmlns:a16="http://schemas.microsoft.com/office/drawing/2014/main" xmlns="" id="{6459A5A0-86AD-344B-A0E4-6C55958151EE}"/>
               </a:ext>
               <a:ext uri="{C183D7F6-B498-43B3-948B-1728B52AA6E4}">
-                <adec:decorative xmlns="" xmlns:adec="http://schemas.microsoft.com/office/drawing/2017/decorative" val="1"/>
+                <adec:decorative xmlns:adec="http://schemas.microsoft.com/office/drawing/2017/decorative" xmlns="" val="1"/>
               </a:ext>
             </a:extLst>
           </p:cNvPr>
@@ -2918,7 +2918,7 @@
           <p:cNvPr id="7" name="Title 6">
             <a:extLst>
               <a:ext uri="{FF2B5EF4-FFF2-40B4-BE49-F238E27FC236}">
-                <a16:creationId xmlns="" xmlns:a16="http://schemas.microsoft.com/office/drawing/2014/main" id="{75B3424C-4925-A7F7-02CD-84526B2E22EF}"/>
+                <a16:creationId xmlns:a16="http://schemas.microsoft.com/office/drawing/2014/main" xmlns="" id="{75B3424C-4925-A7F7-02CD-84526B2E22EF}"/>
               </a:ext>
             </a:extLst>
           </p:cNvPr>
@@ -2957,7 +2957,7 @@
           <p:cNvPr id="12" name="Content Placeholder 7">
             <a:extLst>
               <a:ext uri="{FF2B5EF4-FFF2-40B4-BE49-F238E27FC236}">
-                <a16:creationId xmlns="" xmlns:a16="http://schemas.microsoft.com/office/drawing/2014/main" id="{617CE1C3-9892-2E23-986F-80ABB41823D6}"/>
+                <a16:creationId xmlns:a16="http://schemas.microsoft.com/office/drawing/2014/main" xmlns="" id="{617CE1C3-9892-2E23-986F-80ABB41823D6}"/>
               </a:ext>
             </a:extLst>
           </p:cNvPr>
@@ -3082,7 +3082,7 @@
           <p:cNvPr id="14" name="Table Placeholder 13">
             <a:extLst>
               <a:ext uri="{FF2B5EF4-FFF2-40B4-BE49-F238E27FC236}">
-                <a16:creationId xmlns="" xmlns:a16="http://schemas.microsoft.com/office/drawing/2014/main" id="{EA708189-1532-1BDD-104F-4D8556146CEE}"/>
+                <a16:creationId xmlns:a16="http://schemas.microsoft.com/office/drawing/2014/main" xmlns="" id="{EA708189-1532-1BDD-104F-4D8556146CEE}"/>
               </a:ext>
             </a:extLst>
           </p:cNvPr>
@@ -3121,10 +3121,10 @@
           <p:cNvPr id="5" name="Rectangle 4">
             <a:extLst>
               <a:ext uri="{FF2B5EF4-FFF2-40B4-BE49-F238E27FC236}">
-                <a16:creationId xmlns="" xmlns:a16="http://schemas.microsoft.com/office/drawing/2014/main" id="{94389812-0415-9025-AB21-4503F7DF3AB5}"/>
+                <a16:creationId xmlns:a16="http://schemas.microsoft.com/office/drawing/2014/main" xmlns="" id="{94389812-0415-9025-AB21-4503F7DF3AB5}"/>
               </a:ext>
               <a:ext uri="{C183D7F6-B498-43B3-948B-1728B52AA6E4}">
-                <adec:decorative xmlns="" xmlns:adec="http://schemas.microsoft.com/office/drawing/2017/decorative" val="1"/>
+                <adec:decorative xmlns:adec="http://schemas.microsoft.com/office/drawing/2017/decorative" xmlns="" val="1"/>
               </a:ext>
             </a:extLst>
           </p:cNvPr>
@@ -3179,10 +3179,10 @@
           <p:cNvPr id="6" name="Straight Connector 5">
             <a:extLst>
               <a:ext uri="{FF2B5EF4-FFF2-40B4-BE49-F238E27FC236}">
-                <a16:creationId xmlns="" xmlns:a16="http://schemas.microsoft.com/office/drawing/2014/main" id="{6459A5A0-86AD-344B-A0E4-6C55958151EE}"/>
+                <a16:creationId xmlns:a16="http://schemas.microsoft.com/office/drawing/2014/main" xmlns="" id="{6459A5A0-86AD-344B-A0E4-6C55958151EE}"/>
               </a:ext>
               <a:ext uri="{C183D7F6-B498-43B3-948B-1728B52AA6E4}">
-                <adec:decorative xmlns="" xmlns:adec="http://schemas.microsoft.com/office/drawing/2017/decorative" val="1"/>
+                <adec:decorative xmlns:adec="http://schemas.microsoft.com/office/drawing/2017/decorative" xmlns="" val="1"/>
               </a:ext>
             </a:extLst>
           </p:cNvPr>
@@ -3228,7 +3228,7 @@
           <p:cNvPr id="2" name="Slide Number Placeholder 5">
             <a:extLst>
               <a:ext uri="{FF2B5EF4-FFF2-40B4-BE49-F238E27FC236}">
-                <a16:creationId xmlns="" xmlns:a16="http://schemas.microsoft.com/office/drawing/2014/main" id="{6E0EC71B-95A1-C740-6B1F-F8DF02E2D164}"/>
+                <a16:creationId xmlns:a16="http://schemas.microsoft.com/office/drawing/2014/main" xmlns="" id="{6E0EC71B-95A1-C740-6B1F-F8DF02E2D164}"/>
               </a:ext>
             </a:extLst>
           </p:cNvPr>
@@ -3304,10 +3304,10 @@
           <p:cNvPr id="5" name="Rectangle 4">
             <a:extLst>
               <a:ext uri="{FF2B5EF4-FFF2-40B4-BE49-F238E27FC236}">
-                <a16:creationId xmlns="" xmlns:a16="http://schemas.microsoft.com/office/drawing/2014/main" id="{94389812-0415-9025-AB21-4503F7DF3AB5}"/>
+                <a16:creationId xmlns:a16="http://schemas.microsoft.com/office/drawing/2014/main" xmlns="" id="{94389812-0415-9025-AB21-4503F7DF3AB5}"/>
               </a:ext>
               <a:ext uri="{C183D7F6-B498-43B3-948B-1728B52AA6E4}">
-                <adec:decorative xmlns="" xmlns:adec="http://schemas.microsoft.com/office/drawing/2017/decorative" val="1"/>
+                <adec:decorative xmlns:adec="http://schemas.microsoft.com/office/drawing/2017/decorative" xmlns="" val="1"/>
               </a:ext>
             </a:extLst>
           </p:cNvPr>
@@ -3362,10 +3362,10 @@
           <p:cNvPr id="6" name="Straight Connector 5">
             <a:extLst>
               <a:ext uri="{FF2B5EF4-FFF2-40B4-BE49-F238E27FC236}">
-                <a16:creationId xmlns="" xmlns:a16="http://schemas.microsoft.com/office/drawing/2014/main" id="{6459A5A0-86AD-344B-A0E4-6C55958151EE}"/>
+                <a16:creationId xmlns:a16="http://schemas.microsoft.com/office/drawing/2014/main" xmlns="" id="{6459A5A0-86AD-344B-A0E4-6C55958151EE}"/>
               </a:ext>
               <a:ext uri="{C183D7F6-B498-43B3-948B-1728B52AA6E4}">
-                <adec:decorative xmlns="" xmlns:adec="http://schemas.microsoft.com/office/drawing/2017/decorative" val="1"/>
+                <adec:decorative xmlns:adec="http://schemas.microsoft.com/office/drawing/2017/decorative" xmlns="" val="1"/>
               </a:ext>
             </a:extLst>
           </p:cNvPr>
@@ -3411,7 +3411,7 @@
           <p:cNvPr id="7" name="Title 6">
             <a:extLst>
               <a:ext uri="{FF2B5EF4-FFF2-40B4-BE49-F238E27FC236}">
-                <a16:creationId xmlns="" xmlns:a16="http://schemas.microsoft.com/office/drawing/2014/main" id="{75B3424C-4925-A7F7-02CD-84526B2E22EF}"/>
+                <a16:creationId xmlns:a16="http://schemas.microsoft.com/office/drawing/2014/main" xmlns="" id="{75B3424C-4925-A7F7-02CD-84526B2E22EF}"/>
               </a:ext>
             </a:extLst>
           </p:cNvPr>
@@ -3450,7 +3450,7 @@
           <p:cNvPr id="8" name="Content Placeholder 7">
             <a:extLst>
               <a:ext uri="{FF2B5EF4-FFF2-40B4-BE49-F238E27FC236}">
-                <a16:creationId xmlns="" xmlns:a16="http://schemas.microsoft.com/office/drawing/2014/main" id="{8B0AB10A-3CAB-D4C0-3CB1-401461802BD3}"/>
+                <a16:creationId xmlns:a16="http://schemas.microsoft.com/office/drawing/2014/main" xmlns="" id="{8B0AB10A-3CAB-D4C0-3CB1-401461802BD3}"/>
               </a:ext>
             </a:extLst>
           </p:cNvPr>
@@ -3557,7 +3557,7 @@
           <p:cNvPr id="11" name="Content Placeholder 7">
             <a:extLst>
               <a:ext uri="{FF2B5EF4-FFF2-40B4-BE49-F238E27FC236}">
-                <a16:creationId xmlns="" xmlns:a16="http://schemas.microsoft.com/office/drawing/2014/main" id="{7DBA8ADB-B20F-8404-46AB-AF67E25C7C75}"/>
+                <a16:creationId xmlns:a16="http://schemas.microsoft.com/office/drawing/2014/main" xmlns="" id="{7DBA8ADB-B20F-8404-46AB-AF67E25C7C75}"/>
               </a:ext>
             </a:extLst>
           </p:cNvPr>
@@ -3658,7 +3658,7 @@
           <p:cNvPr id="2" name="Slide Number Placeholder 5">
             <a:extLst>
               <a:ext uri="{FF2B5EF4-FFF2-40B4-BE49-F238E27FC236}">
-                <a16:creationId xmlns="" xmlns:a16="http://schemas.microsoft.com/office/drawing/2014/main" id="{8814D5F7-E70A-5F97-5C8F-95B9E1B6D492}"/>
+                <a16:creationId xmlns:a16="http://schemas.microsoft.com/office/drawing/2014/main" xmlns="" id="{8814D5F7-E70A-5F97-5C8F-95B9E1B6D492}"/>
               </a:ext>
             </a:extLst>
           </p:cNvPr>
@@ -3734,10 +3734,10 @@
           <p:cNvPr id="5" name="Rectangle 4">
             <a:extLst>
               <a:ext uri="{FF2B5EF4-FFF2-40B4-BE49-F238E27FC236}">
-                <a16:creationId xmlns="" xmlns:a16="http://schemas.microsoft.com/office/drawing/2014/main" id="{94389812-0415-9025-AB21-4503F7DF3AB5}"/>
+                <a16:creationId xmlns:a16="http://schemas.microsoft.com/office/drawing/2014/main" xmlns="" id="{94389812-0415-9025-AB21-4503F7DF3AB5}"/>
               </a:ext>
               <a:ext uri="{C183D7F6-B498-43B3-948B-1728B52AA6E4}">
-                <adec:decorative xmlns="" xmlns:adec="http://schemas.microsoft.com/office/drawing/2017/decorative" val="1"/>
+                <adec:decorative xmlns:adec="http://schemas.microsoft.com/office/drawing/2017/decorative" xmlns="" val="1"/>
               </a:ext>
             </a:extLst>
           </p:cNvPr>
@@ -3792,10 +3792,10 @@
           <p:cNvPr id="6" name="Straight Connector 5">
             <a:extLst>
               <a:ext uri="{FF2B5EF4-FFF2-40B4-BE49-F238E27FC236}">
-                <a16:creationId xmlns="" xmlns:a16="http://schemas.microsoft.com/office/drawing/2014/main" id="{6459A5A0-86AD-344B-A0E4-6C55958151EE}"/>
+                <a16:creationId xmlns:a16="http://schemas.microsoft.com/office/drawing/2014/main" xmlns="" id="{6459A5A0-86AD-344B-A0E4-6C55958151EE}"/>
               </a:ext>
               <a:ext uri="{C183D7F6-B498-43B3-948B-1728B52AA6E4}">
-                <adec:decorative xmlns="" xmlns:adec="http://schemas.microsoft.com/office/drawing/2017/decorative" val="1"/>
+                <adec:decorative xmlns:adec="http://schemas.microsoft.com/office/drawing/2017/decorative" xmlns="" val="1"/>
               </a:ext>
             </a:extLst>
           </p:cNvPr>
@@ -3841,7 +3841,7 @@
           <p:cNvPr id="7" name="Title 6">
             <a:extLst>
               <a:ext uri="{FF2B5EF4-FFF2-40B4-BE49-F238E27FC236}">
-                <a16:creationId xmlns="" xmlns:a16="http://schemas.microsoft.com/office/drawing/2014/main" id="{75B3424C-4925-A7F7-02CD-84526B2E22EF}"/>
+                <a16:creationId xmlns:a16="http://schemas.microsoft.com/office/drawing/2014/main" xmlns="" id="{75B3424C-4925-A7F7-02CD-84526B2E22EF}"/>
               </a:ext>
             </a:extLst>
           </p:cNvPr>
@@ -3880,7 +3880,7 @@
           <p:cNvPr id="9" name="Table Placeholder 8">
             <a:extLst>
               <a:ext uri="{FF2B5EF4-FFF2-40B4-BE49-F238E27FC236}">
-                <a16:creationId xmlns="" xmlns:a16="http://schemas.microsoft.com/office/drawing/2014/main" id="{CB43608F-0A38-CF4A-4B3B-F1212E786FDE}"/>
+                <a16:creationId xmlns:a16="http://schemas.microsoft.com/office/drawing/2014/main" xmlns="" id="{CB43608F-0A38-CF4A-4B3B-F1212E786FDE}"/>
               </a:ext>
             </a:extLst>
           </p:cNvPr>
@@ -3919,7 +3919,7 @@
           <p:cNvPr id="2" name="Slide Number Placeholder 5">
             <a:extLst>
               <a:ext uri="{FF2B5EF4-FFF2-40B4-BE49-F238E27FC236}">
-                <a16:creationId xmlns="" xmlns:a16="http://schemas.microsoft.com/office/drawing/2014/main" id="{05DA3688-07D1-82D9-6818-C95E9A69C2F1}"/>
+                <a16:creationId xmlns:a16="http://schemas.microsoft.com/office/drawing/2014/main" xmlns="" id="{05DA3688-07D1-82D9-6818-C95E9A69C2F1}"/>
               </a:ext>
             </a:extLst>
           </p:cNvPr>
@@ -3994,10 +3994,10 @@
           <p:cNvPr id="2" name="Rectangle 1">
             <a:extLst>
               <a:ext uri="{FF2B5EF4-FFF2-40B4-BE49-F238E27FC236}">
-                <a16:creationId xmlns="" xmlns:a16="http://schemas.microsoft.com/office/drawing/2014/main" id="{E1B5E70F-EF03-B535-2505-BC971E3BC36D}"/>
+                <a16:creationId xmlns:a16="http://schemas.microsoft.com/office/drawing/2014/main" xmlns="" id="{E1B5E70F-EF03-B535-2505-BC971E3BC36D}"/>
               </a:ext>
               <a:ext uri="{C183D7F6-B498-43B3-948B-1728B52AA6E4}">
-                <adec:decorative xmlns="" xmlns:adec="http://schemas.microsoft.com/office/drawing/2017/decorative" val="1"/>
+                <adec:decorative xmlns:adec="http://schemas.microsoft.com/office/drawing/2017/decorative" xmlns="" val="1"/>
               </a:ext>
             </a:extLst>
           </p:cNvPr>
@@ -4052,10 +4052,10 @@
           <p:cNvPr id="3" name="Straight Connector 2">
             <a:extLst>
               <a:ext uri="{FF2B5EF4-FFF2-40B4-BE49-F238E27FC236}">
-                <a16:creationId xmlns="" xmlns:a16="http://schemas.microsoft.com/office/drawing/2014/main" id="{8794424E-93DD-A404-D05E-EF6030A76D3B}"/>
+                <a16:creationId xmlns:a16="http://schemas.microsoft.com/office/drawing/2014/main" xmlns="" id="{8794424E-93DD-A404-D05E-EF6030A76D3B}"/>
               </a:ext>
               <a:ext uri="{C183D7F6-B498-43B3-948B-1728B52AA6E4}">
-                <adec:decorative xmlns="" xmlns:adec="http://schemas.microsoft.com/office/drawing/2017/decorative" val="1"/>
+                <adec:decorative xmlns:adec="http://schemas.microsoft.com/office/drawing/2017/decorative" xmlns="" val="1"/>
               </a:ext>
             </a:extLst>
           </p:cNvPr>
@@ -4101,10 +4101,10 @@
           <p:cNvPr id="7" name="Rectangle 6">
             <a:extLst>
               <a:ext uri="{FF2B5EF4-FFF2-40B4-BE49-F238E27FC236}">
-                <a16:creationId xmlns="" xmlns:a16="http://schemas.microsoft.com/office/drawing/2014/main" id="{B03A3B6B-5129-A46A-A20C-5D7BC706C9B1}"/>
+                <a16:creationId xmlns:a16="http://schemas.microsoft.com/office/drawing/2014/main" xmlns="" id="{B03A3B6B-5129-A46A-A20C-5D7BC706C9B1}"/>
               </a:ext>
               <a:ext uri="{C183D7F6-B498-43B3-948B-1728B52AA6E4}">
-                <adec:decorative xmlns="" xmlns:adec="http://schemas.microsoft.com/office/drawing/2017/decorative" val="1"/>
+                <adec:decorative xmlns:adec="http://schemas.microsoft.com/office/drawing/2017/decorative" xmlns="" val="1"/>
               </a:ext>
             </a:extLst>
           </p:cNvPr>
@@ -4159,7 +4159,7 @@
           <p:cNvPr id="8" name="Title 7">
             <a:extLst>
               <a:ext uri="{FF2B5EF4-FFF2-40B4-BE49-F238E27FC236}">
-                <a16:creationId xmlns="" xmlns:a16="http://schemas.microsoft.com/office/drawing/2014/main" id="{24E401A1-8CEE-5E1B-343B-D737433AE63F}"/>
+                <a16:creationId xmlns:a16="http://schemas.microsoft.com/office/drawing/2014/main" xmlns="" id="{24E401A1-8CEE-5E1B-343B-D737433AE63F}"/>
               </a:ext>
             </a:extLst>
           </p:cNvPr>
@@ -4202,7 +4202,7 @@
           <p:cNvPr id="10" name="Content Placeholder 9">
             <a:extLst>
               <a:ext uri="{FF2B5EF4-FFF2-40B4-BE49-F238E27FC236}">
-                <a16:creationId xmlns="" xmlns:a16="http://schemas.microsoft.com/office/drawing/2014/main" id="{AD608249-3D60-D3B2-68C5-778D0EA18F2D}"/>
+                <a16:creationId xmlns:a16="http://schemas.microsoft.com/office/drawing/2014/main" xmlns="" id="{AD608249-3D60-D3B2-68C5-778D0EA18F2D}"/>
               </a:ext>
             </a:extLst>
           </p:cNvPr>
@@ -4404,7 +4404,7 @@
           <p:cNvPr id="7" name="Title 6">
             <a:extLst>
               <a:ext uri="{FF2B5EF4-FFF2-40B4-BE49-F238E27FC236}">
-                <a16:creationId xmlns="" xmlns:a16="http://schemas.microsoft.com/office/drawing/2014/main" id="{75B3424C-4925-A7F7-02CD-84526B2E22EF}"/>
+                <a16:creationId xmlns:a16="http://schemas.microsoft.com/office/drawing/2014/main" xmlns="" id="{75B3424C-4925-A7F7-02CD-84526B2E22EF}"/>
               </a:ext>
             </a:extLst>
           </p:cNvPr>
@@ -4443,7 +4443,7 @@
           <p:cNvPr id="2" name="Content Placeholder 7">
             <a:extLst>
               <a:ext uri="{FF2B5EF4-FFF2-40B4-BE49-F238E27FC236}">
-                <a16:creationId xmlns="" xmlns:a16="http://schemas.microsoft.com/office/drawing/2014/main" id="{AEA3C42D-C3E7-4F13-63E2-96D7A3B21113}"/>
+                <a16:creationId xmlns:a16="http://schemas.microsoft.com/office/drawing/2014/main" xmlns="" id="{AEA3C42D-C3E7-4F13-63E2-96D7A3B21113}"/>
               </a:ext>
             </a:extLst>
           </p:cNvPr>
@@ -4569,10 +4569,10 @@
           <p:cNvPr id="3" name="Straight Connector 2">
             <a:extLst>
               <a:ext uri="{FF2B5EF4-FFF2-40B4-BE49-F238E27FC236}">
-                <a16:creationId xmlns="" xmlns:a16="http://schemas.microsoft.com/office/drawing/2014/main" id="{45FE61D9-DA99-9DA5-5DD2-C4118066CA63}"/>
+                <a16:creationId xmlns:a16="http://schemas.microsoft.com/office/drawing/2014/main" xmlns="" id="{45FE61D9-DA99-9DA5-5DD2-C4118066CA63}"/>
               </a:ext>
               <a:ext uri="{C183D7F6-B498-43B3-948B-1728B52AA6E4}">
-                <adec:decorative xmlns="" xmlns:adec="http://schemas.microsoft.com/office/drawing/2017/decorative" val="1"/>
+                <adec:decorative xmlns:adec="http://schemas.microsoft.com/office/drawing/2017/decorative" xmlns="" val="1"/>
               </a:ext>
             </a:extLst>
           </p:cNvPr>
@@ -4617,10 +4617,10 @@
           <p:cNvPr id="8" name="Rectangle 7">
             <a:extLst>
               <a:ext uri="{FF2B5EF4-FFF2-40B4-BE49-F238E27FC236}">
-                <a16:creationId xmlns="" xmlns:a16="http://schemas.microsoft.com/office/drawing/2014/main" id="{CE64603E-965E-E3BF-203B-F4D99428203D}"/>
+                <a16:creationId xmlns:a16="http://schemas.microsoft.com/office/drawing/2014/main" xmlns="" id="{CE64603E-965E-E3BF-203B-F4D99428203D}"/>
               </a:ext>
               <a:ext uri="{C183D7F6-B498-43B3-948B-1728B52AA6E4}">
-                <adec:decorative xmlns="" xmlns:adec="http://schemas.microsoft.com/office/drawing/2017/decorative" val="1"/>
+                <adec:decorative xmlns:adec="http://schemas.microsoft.com/office/drawing/2017/decorative" xmlns="" val="1"/>
               </a:ext>
             </a:extLst>
           </p:cNvPr>
@@ -4675,7 +4675,7 @@
           <p:cNvPr id="9" name="Slide Number Placeholder 5">
             <a:extLst>
               <a:ext uri="{FF2B5EF4-FFF2-40B4-BE49-F238E27FC236}">
-                <a16:creationId xmlns="" xmlns:a16="http://schemas.microsoft.com/office/drawing/2014/main" id="{4E9F5D75-1D8F-F695-81F8-4A6D0C678215}"/>
+                <a16:creationId xmlns:a16="http://schemas.microsoft.com/office/drawing/2014/main" xmlns="" id="{4E9F5D75-1D8F-F695-81F8-4A6D0C678215}"/>
               </a:ext>
             </a:extLst>
           </p:cNvPr>
@@ -4758,7 +4758,7 @@
           <p:cNvPr id="9" name="Title 8">
             <a:extLst>
               <a:ext uri="{FF2B5EF4-FFF2-40B4-BE49-F238E27FC236}">
-                <a16:creationId xmlns="" xmlns:a16="http://schemas.microsoft.com/office/drawing/2014/main" id="{BB6B956C-A124-5A7C-EBD4-CBB618B9BC1D}"/>
+                <a16:creationId xmlns:a16="http://schemas.microsoft.com/office/drawing/2014/main" xmlns="" id="{BB6B956C-A124-5A7C-EBD4-CBB618B9BC1D}"/>
               </a:ext>
             </a:extLst>
           </p:cNvPr>
@@ -4797,10 +4797,10 @@
           <p:cNvPr id="6" name="Rectangle 5">
             <a:extLst>
               <a:ext uri="{FF2B5EF4-FFF2-40B4-BE49-F238E27FC236}">
-                <a16:creationId xmlns="" xmlns:a16="http://schemas.microsoft.com/office/drawing/2014/main" id="{49C76C37-CBD2-36CF-1413-53DD1CB4A545}"/>
+                <a16:creationId xmlns:a16="http://schemas.microsoft.com/office/drawing/2014/main" xmlns="" id="{49C76C37-CBD2-36CF-1413-53DD1CB4A545}"/>
               </a:ext>
               <a:ext uri="{C183D7F6-B498-43B3-948B-1728B52AA6E4}">
-                <adec:decorative xmlns="" xmlns:adec="http://schemas.microsoft.com/office/drawing/2017/decorative" val="1"/>
+                <adec:decorative xmlns:adec="http://schemas.microsoft.com/office/drawing/2017/decorative" xmlns="" val="1"/>
               </a:ext>
             </a:extLst>
           </p:cNvPr>
@@ -4855,10 +4855,10 @@
           <p:cNvPr id="7" name="Rectangle 6">
             <a:extLst>
               <a:ext uri="{FF2B5EF4-FFF2-40B4-BE49-F238E27FC236}">
-                <a16:creationId xmlns="" xmlns:a16="http://schemas.microsoft.com/office/drawing/2014/main" id="{510D1AAD-E663-5B8E-CE72-64C1DBF19CE0}"/>
+                <a16:creationId xmlns:a16="http://schemas.microsoft.com/office/drawing/2014/main" xmlns="" id="{510D1AAD-E663-5B8E-CE72-64C1DBF19CE0}"/>
               </a:ext>
               <a:ext uri="{C183D7F6-B498-43B3-948B-1728B52AA6E4}">
-                <adec:decorative xmlns="" xmlns:adec="http://schemas.microsoft.com/office/drawing/2017/decorative" val="1"/>
+                <adec:decorative xmlns:adec="http://schemas.microsoft.com/office/drawing/2017/decorative" xmlns="" val="1"/>
               </a:ext>
             </a:extLst>
           </p:cNvPr>
@@ -4913,10 +4913,10 @@
           <p:cNvPr id="8" name="Straight Connector 7">
             <a:extLst>
               <a:ext uri="{FF2B5EF4-FFF2-40B4-BE49-F238E27FC236}">
-                <a16:creationId xmlns="" xmlns:a16="http://schemas.microsoft.com/office/drawing/2014/main" id="{EC250190-89C1-EAA3-6C2A-15A60C6754F5}"/>
+                <a16:creationId xmlns:a16="http://schemas.microsoft.com/office/drawing/2014/main" xmlns="" id="{EC250190-89C1-EAA3-6C2A-15A60C6754F5}"/>
               </a:ext>
               <a:ext uri="{C183D7F6-B498-43B3-948B-1728B52AA6E4}">
-                <adec:decorative xmlns="" xmlns:adec="http://schemas.microsoft.com/office/drawing/2017/decorative" val="1"/>
+                <adec:decorative xmlns:adec="http://schemas.microsoft.com/office/drawing/2017/decorative" xmlns="" val="1"/>
               </a:ext>
             </a:extLst>
           </p:cNvPr>
@@ -5009,10 +5009,10 @@
           <p:cNvPr id="6" name="Rectangle 5">
             <a:extLst>
               <a:ext uri="{FF2B5EF4-FFF2-40B4-BE49-F238E27FC236}">
-                <a16:creationId xmlns="" xmlns:a16="http://schemas.microsoft.com/office/drawing/2014/main" id="{49C76C37-CBD2-36CF-1413-53DD1CB4A545}"/>
+                <a16:creationId xmlns:a16="http://schemas.microsoft.com/office/drawing/2014/main" xmlns="" id="{49C76C37-CBD2-36CF-1413-53DD1CB4A545}"/>
               </a:ext>
               <a:ext uri="{C183D7F6-B498-43B3-948B-1728B52AA6E4}">
-                <adec:decorative xmlns="" xmlns:adec="http://schemas.microsoft.com/office/drawing/2017/decorative" val="1"/>
+                <adec:decorative xmlns:adec="http://schemas.microsoft.com/office/drawing/2017/decorative" xmlns="" val="1"/>
               </a:ext>
             </a:extLst>
           </p:cNvPr>
@@ -5067,10 +5067,10 @@
           <p:cNvPr id="7" name="Rectangle 6">
             <a:extLst>
               <a:ext uri="{FF2B5EF4-FFF2-40B4-BE49-F238E27FC236}">
-                <a16:creationId xmlns="" xmlns:a16="http://schemas.microsoft.com/office/drawing/2014/main" id="{510D1AAD-E663-5B8E-CE72-64C1DBF19CE0}"/>
+                <a16:creationId xmlns:a16="http://schemas.microsoft.com/office/drawing/2014/main" xmlns="" id="{510D1AAD-E663-5B8E-CE72-64C1DBF19CE0}"/>
               </a:ext>
               <a:ext uri="{C183D7F6-B498-43B3-948B-1728B52AA6E4}">
-                <adec:decorative xmlns="" xmlns:adec="http://schemas.microsoft.com/office/drawing/2017/decorative" val="1"/>
+                <adec:decorative xmlns:adec="http://schemas.microsoft.com/office/drawing/2017/decorative" xmlns="" val="1"/>
               </a:ext>
             </a:extLst>
           </p:cNvPr>
@@ -5125,10 +5125,10 @@
           <p:cNvPr id="8" name="Straight Connector 7">
             <a:extLst>
               <a:ext uri="{FF2B5EF4-FFF2-40B4-BE49-F238E27FC236}">
-                <a16:creationId xmlns="" xmlns:a16="http://schemas.microsoft.com/office/drawing/2014/main" id="{EC250190-89C1-EAA3-6C2A-15A60C6754F5}"/>
+                <a16:creationId xmlns:a16="http://schemas.microsoft.com/office/drawing/2014/main" xmlns="" id="{EC250190-89C1-EAA3-6C2A-15A60C6754F5}"/>
               </a:ext>
               <a:ext uri="{C183D7F6-B498-43B3-948B-1728B52AA6E4}">
-                <adec:decorative xmlns="" xmlns:adec="http://schemas.microsoft.com/office/drawing/2017/decorative" val="1"/>
+                <adec:decorative xmlns:adec="http://schemas.microsoft.com/office/drawing/2017/decorative" xmlns="" val="1"/>
               </a:ext>
             </a:extLst>
           </p:cNvPr>
@@ -5325,7 +5325,7 @@
           <p:cNvPr id="9" name="Title 8">
             <a:extLst>
               <a:ext uri="{FF2B5EF4-FFF2-40B4-BE49-F238E27FC236}">
-                <a16:creationId xmlns="" xmlns:a16="http://schemas.microsoft.com/office/drawing/2014/main" id="{BB6B956C-A124-5A7C-EBD4-CBB618B9BC1D}"/>
+                <a16:creationId xmlns:a16="http://schemas.microsoft.com/office/drawing/2014/main" xmlns="" id="{BB6B956C-A124-5A7C-EBD4-CBB618B9BC1D}"/>
               </a:ext>
             </a:extLst>
           </p:cNvPr>
@@ -5364,10 +5364,10 @@
           <p:cNvPr id="6" name="Rectangle 5">
             <a:extLst>
               <a:ext uri="{FF2B5EF4-FFF2-40B4-BE49-F238E27FC236}">
-                <a16:creationId xmlns="" xmlns:a16="http://schemas.microsoft.com/office/drawing/2014/main" id="{49C76C37-CBD2-36CF-1413-53DD1CB4A545}"/>
+                <a16:creationId xmlns:a16="http://schemas.microsoft.com/office/drawing/2014/main" xmlns="" id="{49C76C37-CBD2-36CF-1413-53DD1CB4A545}"/>
               </a:ext>
               <a:ext uri="{C183D7F6-B498-43B3-948B-1728B52AA6E4}">
-                <adec:decorative xmlns="" xmlns:adec="http://schemas.microsoft.com/office/drawing/2017/decorative" val="1"/>
+                <adec:decorative xmlns:adec="http://schemas.microsoft.com/office/drawing/2017/decorative" xmlns="" val="1"/>
               </a:ext>
             </a:extLst>
           </p:cNvPr>
@@ -5422,10 +5422,10 @@
           <p:cNvPr id="7" name="Rectangle 6">
             <a:extLst>
               <a:ext uri="{FF2B5EF4-FFF2-40B4-BE49-F238E27FC236}">
-                <a16:creationId xmlns="" xmlns:a16="http://schemas.microsoft.com/office/drawing/2014/main" id="{510D1AAD-E663-5B8E-CE72-64C1DBF19CE0}"/>
+                <a16:creationId xmlns:a16="http://schemas.microsoft.com/office/drawing/2014/main" xmlns="" id="{510D1AAD-E663-5B8E-CE72-64C1DBF19CE0}"/>
               </a:ext>
               <a:ext uri="{C183D7F6-B498-43B3-948B-1728B52AA6E4}">
-                <adec:decorative xmlns="" xmlns:adec="http://schemas.microsoft.com/office/drawing/2017/decorative" val="1"/>
+                <adec:decorative xmlns:adec="http://schemas.microsoft.com/office/drawing/2017/decorative" xmlns="" val="1"/>
               </a:ext>
             </a:extLst>
           </p:cNvPr>
@@ -5480,10 +5480,10 @@
           <p:cNvPr id="8" name="Straight Connector 7">
             <a:extLst>
               <a:ext uri="{FF2B5EF4-FFF2-40B4-BE49-F238E27FC236}">
-                <a16:creationId xmlns="" xmlns:a16="http://schemas.microsoft.com/office/drawing/2014/main" id="{EC250190-89C1-EAA3-6C2A-15A60C6754F5}"/>
+                <a16:creationId xmlns:a16="http://schemas.microsoft.com/office/drawing/2014/main" xmlns="" id="{EC250190-89C1-EAA3-6C2A-15A60C6754F5}"/>
               </a:ext>
               <a:ext uri="{C183D7F6-B498-43B3-948B-1728B52AA6E4}">
-                <adec:decorative xmlns="" xmlns:adec="http://schemas.microsoft.com/office/drawing/2017/decorative" val="1"/>
+                <adec:decorative xmlns:adec="http://schemas.microsoft.com/office/drawing/2017/decorative" xmlns="" val="1"/>
               </a:ext>
             </a:extLst>
           </p:cNvPr>
@@ -5576,7 +5576,7 @@
           <p:cNvPr id="9" name="Title 8">
             <a:extLst>
               <a:ext uri="{FF2B5EF4-FFF2-40B4-BE49-F238E27FC236}">
-                <a16:creationId xmlns="" xmlns:a16="http://schemas.microsoft.com/office/drawing/2014/main" id="{BB6B956C-A124-5A7C-EBD4-CBB618B9BC1D}"/>
+                <a16:creationId xmlns:a16="http://schemas.microsoft.com/office/drawing/2014/main" xmlns="" id="{BB6B956C-A124-5A7C-EBD4-CBB618B9BC1D}"/>
               </a:ext>
             </a:extLst>
           </p:cNvPr>
@@ -5615,7 +5615,7 @@
           <p:cNvPr id="12" name="Picture Placeholder 11">
             <a:extLst>
               <a:ext uri="{FF2B5EF4-FFF2-40B4-BE49-F238E27FC236}">
-                <a16:creationId xmlns="" xmlns:a16="http://schemas.microsoft.com/office/drawing/2014/main" id="{2B92702B-E14C-886C-445A-349265F37592}"/>
+                <a16:creationId xmlns:a16="http://schemas.microsoft.com/office/drawing/2014/main" xmlns="" id="{2B92702B-E14C-886C-445A-349265F37592}"/>
               </a:ext>
             </a:extLst>
           </p:cNvPr>
@@ -5655,10 +5655,10 @@
           <p:cNvPr id="6" name="Rectangle 5">
             <a:extLst>
               <a:ext uri="{FF2B5EF4-FFF2-40B4-BE49-F238E27FC236}">
-                <a16:creationId xmlns="" xmlns:a16="http://schemas.microsoft.com/office/drawing/2014/main" id="{49C76C37-CBD2-36CF-1413-53DD1CB4A545}"/>
+                <a16:creationId xmlns:a16="http://schemas.microsoft.com/office/drawing/2014/main" xmlns="" id="{49C76C37-CBD2-36CF-1413-53DD1CB4A545}"/>
               </a:ext>
               <a:ext uri="{C183D7F6-B498-43B3-948B-1728B52AA6E4}">
-                <adec:decorative xmlns="" xmlns:adec="http://schemas.microsoft.com/office/drawing/2017/decorative" val="1"/>
+                <adec:decorative xmlns:adec="http://schemas.microsoft.com/office/drawing/2017/decorative" xmlns="" val="1"/>
               </a:ext>
             </a:extLst>
           </p:cNvPr>
@@ -5713,10 +5713,10 @@
           <p:cNvPr id="7" name="Rectangle 6">
             <a:extLst>
               <a:ext uri="{FF2B5EF4-FFF2-40B4-BE49-F238E27FC236}">
-                <a16:creationId xmlns="" xmlns:a16="http://schemas.microsoft.com/office/drawing/2014/main" id="{510D1AAD-E663-5B8E-CE72-64C1DBF19CE0}"/>
+                <a16:creationId xmlns:a16="http://schemas.microsoft.com/office/drawing/2014/main" xmlns="" id="{510D1AAD-E663-5B8E-CE72-64C1DBF19CE0}"/>
               </a:ext>
               <a:ext uri="{C183D7F6-B498-43B3-948B-1728B52AA6E4}">
-                <adec:decorative xmlns="" xmlns:adec="http://schemas.microsoft.com/office/drawing/2017/decorative" val="1"/>
+                <adec:decorative xmlns:adec="http://schemas.microsoft.com/office/drawing/2017/decorative" xmlns="" val="1"/>
               </a:ext>
             </a:extLst>
           </p:cNvPr>
@@ -5771,10 +5771,10 @@
           <p:cNvPr id="8" name="Straight Connector 7">
             <a:extLst>
               <a:ext uri="{FF2B5EF4-FFF2-40B4-BE49-F238E27FC236}">
-                <a16:creationId xmlns="" xmlns:a16="http://schemas.microsoft.com/office/drawing/2014/main" id="{EC250190-89C1-EAA3-6C2A-15A60C6754F5}"/>
+                <a16:creationId xmlns:a16="http://schemas.microsoft.com/office/drawing/2014/main" xmlns="" id="{EC250190-89C1-EAA3-6C2A-15A60C6754F5}"/>
               </a:ext>
               <a:ext uri="{C183D7F6-B498-43B3-948B-1728B52AA6E4}">
-                <adec:decorative xmlns="" xmlns:adec="http://schemas.microsoft.com/office/drawing/2017/decorative" val="1"/>
+                <adec:decorative xmlns:adec="http://schemas.microsoft.com/office/drawing/2017/decorative" xmlns="" val="1"/>
               </a:ext>
             </a:extLst>
           </p:cNvPr>
@@ -5819,7 +5819,7 @@
           <p:cNvPr id="10" name="Text Placeholder 12">
             <a:extLst>
               <a:ext uri="{FF2B5EF4-FFF2-40B4-BE49-F238E27FC236}">
-                <a16:creationId xmlns="" xmlns:a16="http://schemas.microsoft.com/office/drawing/2014/main" id="{D179113D-0374-3934-841E-56AD5AFCF977}"/>
+                <a16:creationId xmlns:a16="http://schemas.microsoft.com/office/drawing/2014/main" xmlns="" id="{D179113D-0374-3934-841E-56AD5AFCF977}"/>
               </a:ext>
             </a:extLst>
           </p:cNvPr>
@@ -5922,7 +5922,7 @@
           <p:cNvPr id="7" name="Title 6">
             <a:extLst>
               <a:ext uri="{FF2B5EF4-FFF2-40B4-BE49-F238E27FC236}">
-                <a16:creationId xmlns="" xmlns:a16="http://schemas.microsoft.com/office/drawing/2014/main" id="{75B3424C-4925-A7F7-02CD-84526B2E22EF}"/>
+                <a16:creationId xmlns:a16="http://schemas.microsoft.com/office/drawing/2014/main" xmlns="" id="{75B3424C-4925-A7F7-02CD-84526B2E22EF}"/>
               </a:ext>
             </a:extLst>
           </p:cNvPr>
@@ -5961,7 +5961,7 @@
           <p:cNvPr id="2" name="Content Placeholder 7">
             <a:extLst>
               <a:ext uri="{FF2B5EF4-FFF2-40B4-BE49-F238E27FC236}">
-                <a16:creationId xmlns="" xmlns:a16="http://schemas.microsoft.com/office/drawing/2014/main" id="{AEA3C42D-C3E7-4F13-63E2-96D7A3B21113}"/>
+                <a16:creationId xmlns:a16="http://schemas.microsoft.com/office/drawing/2014/main" xmlns="" id="{AEA3C42D-C3E7-4F13-63E2-96D7A3B21113}"/>
               </a:ext>
             </a:extLst>
           </p:cNvPr>
@@ -6087,10 +6087,10 @@
           <p:cNvPr id="3" name="Straight Connector 2">
             <a:extLst>
               <a:ext uri="{FF2B5EF4-FFF2-40B4-BE49-F238E27FC236}">
-                <a16:creationId xmlns="" xmlns:a16="http://schemas.microsoft.com/office/drawing/2014/main" id="{45FE61D9-DA99-9DA5-5DD2-C4118066CA63}"/>
+                <a16:creationId xmlns:a16="http://schemas.microsoft.com/office/drawing/2014/main" xmlns="" id="{45FE61D9-DA99-9DA5-5DD2-C4118066CA63}"/>
               </a:ext>
               <a:ext uri="{C183D7F6-B498-43B3-948B-1728B52AA6E4}">
-                <adec:decorative xmlns="" xmlns:adec="http://schemas.microsoft.com/office/drawing/2017/decorative" val="1"/>
+                <adec:decorative xmlns:adec="http://schemas.microsoft.com/office/drawing/2017/decorative" xmlns="" val="1"/>
               </a:ext>
             </a:extLst>
           </p:cNvPr>
@@ -6135,10 +6135,10 @@
           <p:cNvPr id="8" name="Rectangle 7">
             <a:extLst>
               <a:ext uri="{FF2B5EF4-FFF2-40B4-BE49-F238E27FC236}">
-                <a16:creationId xmlns="" xmlns:a16="http://schemas.microsoft.com/office/drawing/2014/main" id="{CE64603E-965E-E3BF-203B-F4D99428203D}"/>
+                <a16:creationId xmlns:a16="http://schemas.microsoft.com/office/drawing/2014/main" xmlns="" id="{CE64603E-965E-E3BF-203B-F4D99428203D}"/>
               </a:ext>
               <a:ext uri="{C183D7F6-B498-43B3-948B-1728B52AA6E4}">
-                <adec:decorative xmlns="" xmlns:adec="http://schemas.microsoft.com/office/drawing/2017/decorative" val="1"/>
+                <adec:decorative xmlns:adec="http://schemas.microsoft.com/office/drawing/2017/decorative" xmlns="" val="1"/>
               </a:ext>
             </a:extLst>
           </p:cNvPr>
@@ -6193,7 +6193,7 @@
           <p:cNvPr id="9" name="Slide Number Placeholder 5">
             <a:extLst>
               <a:ext uri="{FF2B5EF4-FFF2-40B4-BE49-F238E27FC236}">
-                <a16:creationId xmlns="" xmlns:a16="http://schemas.microsoft.com/office/drawing/2014/main" id="{5DABAFC1-3E76-DCE6-3A6D-E0020C5BE864}"/>
+                <a16:creationId xmlns:a16="http://schemas.microsoft.com/office/drawing/2014/main" xmlns="" id="{5DABAFC1-3E76-DCE6-3A6D-E0020C5BE864}"/>
               </a:ext>
             </a:extLst>
           </p:cNvPr>
@@ -6266,7 +6266,7 @@
           <p:cNvPr id="8" name="Title 7">
             <a:extLst>
               <a:ext uri="{FF2B5EF4-FFF2-40B4-BE49-F238E27FC236}">
-                <a16:creationId xmlns="" xmlns:a16="http://schemas.microsoft.com/office/drawing/2014/main" id="{507175C5-CB2F-2BAC-3704-54DCD1BF043F}"/>
+                <a16:creationId xmlns:a16="http://schemas.microsoft.com/office/drawing/2014/main" xmlns="" id="{507175C5-CB2F-2BAC-3704-54DCD1BF043F}"/>
               </a:ext>
             </a:extLst>
           </p:cNvPr>
@@ -6307,10 +6307,10 @@
           <p:cNvPr id="5" name="Rectangle 4">
             <a:extLst>
               <a:ext uri="{FF2B5EF4-FFF2-40B4-BE49-F238E27FC236}">
-                <a16:creationId xmlns="" xmlns:a16="http://schemas.microsoft.com/office/drawing/2014/main" id="{3901905E-33E7-852F-94E3-8E100B3D1E4A}"/>
+                <a16:creationId xmlns:a16="http://schemas.microsoft.com/office/drawing/2014/main" xmlns="" id="{3901905E-33E7-852F-94E3-8E100B3D1E4A}"/>
               </a:ext>
               <a:ext uri="{C183D7F6-B498-43B3-948B-1728B52AA6E4}">
-                <adec:decorative xmlns="" xmlns:adec="http://schemas.microsoft.com/office/drawing/2017/decorative" val="1"/>
+                <adec:decorative xmlns:adec="http://schemas.microsoft.com/office/drawing/2017/decorative" xmlns="" val="1"/>
               </a:ext>
             </a:extLst>
           </p:cNvPr>
@@ -6362,10 +6362,10 @@
           <p:cNvPr id="6" name="Rectangle 5">
             <a:extLst>
               <a:ext uri="{FF2B5EF4-FFF2-40B4-BE49-F238E27FC236}">
-                <a16:creationId xmlns="" xmlns:a16="http://schemas.microsoft.com/office/drawing/2014/main" id="{1B7799F7-CBB1-9649-7D06-F7EEFD4F0183}"/>
+                <a16:creationId xmlns:a16="http://schemas.microsoft.com/office/drawing/2014/main" xmlns="" id="{1B7799F7-CBB1-9649-7D06-F7EEFD4F0183}"/>
               </a:ext>
               <a:ext uri="{C183D7F6-B498-43B3-948B-1728B52AA6E4}">
-                <adec:decorative xmlns="" xmlns:adec="http://schemas.microsoft.com/office/drawing/2017/decorative" val="1"/>
+                <adec:decorative xmlns:adec="http://schemas.microsoft.com/office/drawing/2017/decorative" xmlns="" val="1"/>
               </a:ext>
             </a:extLst>
           </p:cNvPr>
@@ -6420,10 +6420,10 @@
           <p:cNvPr id="7" name="Rectangle 6">
             <a:extLst>
               <a:ext uri="{FF2B5EF4-FFF2-40B4-BE49-F238E27FC236}">
-                <a16:creationId xmlns="" xmlns:a16="http://schemas.microsoft.com/office/drawing/2014/main" id="{B1AFC5CA-DB29-4B8C-C004-72E4EC761C3B}"/>
+                <a16:creationId xmlns:a16="http://schemas.microsoft.com/office/drawing/2014/main" xmlns="" id="{B1AFC5CA-DB29-4B8C-C004-72E4EC761C3B}"/>
               </a:ext>
               <a:ext uri="{C183D7F6-B498-43B3-948B-1728B52AA6E4}">
-                <adec:decorative xmlns="" xmlns:adec="http://schemas.microsoft.com/office/drawing/2017/decorative" val="1"/>
+                <adec:decorative xmlns:adec="http://schemas.microsoft.com/office/drawing/2017/decorative" xmlns="" val="1"/>
               </a:ext>
             </a:extLst>
           </p:cNvPr>
@@ -6478,7 +6478,7 @@
           <p:cNvPr id="9" name="Text Placeholder 12">
             <a:extLst>
               <a:ext uri="{FF2B5EF4-FFF2-40B4-BE49-F238E27FC236}">
-                <a16:creationId xmlns="" xmlns:a16="http://schemas.microsoft.com/office/drawing/2014/main" id="{E3CB2D2A-7172-87CE-D493-DAF52D62EBFC}"/>
+                <a16:creationId xmlns:a16="http://schemas.microsoft.com/office/drawing/2014/main" xmlns="" id="{E3CB2D2A-7172-87CE-D493-DAF52D62EBFC}"/>
               </a:ext>
             </a:extLst>
           </p:cNvPr>
@@ -6574,7 +6574,7 @@
           <p:cNvPr id="7" name="Title 6">
             <a:extLst>
               <a:ext uri="{FF2B5EF4-FFF2-40B4-BE49-F238E27FC236}">
-                <a16:creationId xmlns="" xmlns:a16="http://schemas.microsoft.com/office/drawing/2014/main" id="{75B3424C-4925-A7F7-02CD-84526B2E22EF}"/>
+                <a16:creationId xmlns:a16="http://schemas.microsoft.com/office/drawing/2014/main" xmlns="" id="{75B3424C-4925-A7F7-02CD-84526B2E22EF}"/>
               </a:ext>
             </a:extLst>
           </p:cNvPr>
@@ -6613,7 +6613,7 @@
           <p:cNvPr id="2" name="Content Placeholder 7">
             <a:extLst>
               <a:ext uri="{FF2B5EF4-FFF2-40B4-BE49-F238E27FC236}">
-                <a16:creationId xmlns="" xmlns:a16="http://schemas.microsoft.com/office/drawing/2014/main" id="{AEA3C42D-C3E7-4F13-63E2-96D7A3B21113}"/>
+                <a16:creationId xmlns:a16="http://schemas.microsoft.com/office/drawing/2014/main" xmlns="" id="{AEA3C42D-C3E7-4F13-63E2-96D7A3B21113}"/>
               </a:ext>
             </a:extLst>
           </p:cNvPr>
@@ -6738,7 +6738,7 @@
           <p:cNvPr id="12" name="Content Placeholder 7">
             <a:extLst>
               <a:ext uri="{FF2B5EF4-FFF2-40B4-BE49-F238E27FC236}">
-                <a16:creationId xmlns="" xmlns:a16="http://schemas.microsoft.com/office/drawing/2014/main" id="{617CE1C3-9892-2E23-986F-80ABB41823D6}"/>
+                <a16:creationId xmlns:a16="http://schemas.microsoft.com/office/drawing/2014/main" xmlns="" id="{617CE1C3-9892-2E23-986F-80ABB41823D6}"/>
               </a:ext>
             </a:extLst>
           </p:cNvPr>
@@ -6863,10 +6863,10 @@
           <p:cNvPr id="5" name="Rectangle 4">
             <a:extLst>
               <a:ext uri="{FF2B5EF4-FFF2-40B4-BE49-F238E27FC236}">
-                <a16:creationId xmlns="" xmlns:a16="http://schemas.microsoft.com/office/drawing/2014/main" id="{94389812-0415-9025-AB21-4503F7DF3AB5}"/>
+                <a16:creationId xmlns:a16="http://schemas.microsoft.com/office/drawing/2014/main" xmlns="" id="{94389812-0415-9025-AB21-4503F7DF3AB5}"/>
               </a:ext>
               <a:ext uri="{C183D7F6-B498-43B3-948B-1728B52AA6E4}">
-                <adec:decorative xmlns="" xmlns:adec="http://schemas.microsoft.com/office/drawing/2017/decorative" val="1"/>
+                <adec:decorative xmlns:adec="http://schemas.microsoft.com/office/drawing/2017/decorative" xmlns="" val="1"/>
               </a:ext>
             </a:extLst>
           </p:cNvPr>
@@ -6921,10 +6921,10 @@
           <p:cNvPr id="6" name="Straight Connector 5">
             <a:extLst>
               <a:ext uri="{FF2B5EF4-FFF2-40B4-BE49-F238E27FC236}">
-                <a16:creationId xmlns="" xmlns:a16="http://schemas.microsoft.com/office/drawing/2014/main" id="{6459A5A0-86AD-344B-A0E4-6C55958151EE}"/>
+                <a16:creationId xmlns:a16="http://schemas.microsoft.com/office/drawing/2014/main" xmlns="" id="{6459A5A0-86AD-344B-A0E4-6C55958151EE}"/>
               </a:ext>
               <a:ext uri="{C183D7F6-B498-43B3-948B-1728B52AA6E4}">
-                <adec:decorative xmlns="" xmlns:adec="http://schemas.microsoft.com/office/drawing/2017/decorative" val="1"/>
+                <adec:decorative xmlns:adec="http://schemas.microsoft.com/office/drawing/2017/decorative" xmlns="" val="1"/>
               </a:ext>
             </a:extLst>
           </p:cNvPr>
@@ -6970,7 +6970,7 @@
           <p:cNvPr id="3" name="Slide Number Placeholder 5">
             <a:extLst>
               <a:ext uri="{FF2B5EF4-FFF2-40B4-BE49-F238E27FC236}">
-                <a16:creationId xmlns="" xmlns:a16="http://schemas.microsoft.com/office/drawing/2014/main" id="{1D40DF0B-6602-19D4-3110-4659C28780D5}"/>
+                <a16:creationId xmlns:a16="http://schemas.microsoft.com/office/drawing/2014/main" xmlns="" id="{1D40DF0B-6602-19D4-3110-4659C28780D5}"/>
               </a:ext>
             </a:extLst>
           </p:cNvPr>
@@ -7040,7 +7040,7 @@
           <p:cNvPr id="2" name="Title Placeholder 1">
             <a:extLst>
               <a:ext uri="{FF2B5EF4-FFF2-40B4-BE49-F238E27FC236}">
-                <a16:creationId xmlns="" xmlns:a16="http://schemas.microsoft.com/office/drawing/2014/main" id="{0B82F216-62F1-7E0B-63FD-51C27CDAA1B4}"/>
+                <a16:creationId xmlns:a16="http://schemas.microsoft.com/office/drawing/2014/main" xmlns="" id="{0B82F216-62F1-7E0B-63FD-51C27CDAA1B4}"/>
               </a:ext>
             </a:extLst>
           </p:cNvPr>
@@ -7078,7 +7078,7 @@
           <p:cNvPr id="3" name="Text Placeholder 2">
             <a:extLst>
               <a:ext uri="{FF2B5EF4-FFF2-40B4-BE49-F238E27FC236}">
-                <a16:creationId xmlns="" xmlns:a16="http://schemas.microsoft.com/office/drawing/2014/main" id="{7E61F31D-B959-2AD8-9208-FF08B574DB47}"/>
+                <a16:creationId xmlns:a16="http://schemas.microsoft.com/office/drawing/2014/main" xmlns="" id="{7E61F31D-B959-2AD8-9208-FF08B574DB47}"/>
               </a:ext>
             </a:extLst>
           </p:cNvPr>
@@ -7145,7 +7145,7 @@
           <p:cNvPr id="4" name="Date Placeholder 3">
             <a:extLst>
               <a:ext uri="{FF2B5EF4-FFF2-40B4-BE49-F238E27FC236}">
-                <a16:creationId xmlns="" xmlns:a16="http://schemas.microsoft.com/office/drawing/2014/main" id="{EF32C8C7-5C6C-400B-AEC0-4D8178161BBD}"/>
+                <a16:creationId xmlns:a16="http://schemas.microsoft.com/office/drawing/2014/main" xmlns="" id="{EF32C8C7-5C6C-400B-AEC0-4D8178161BBD}"/>
               </a:ext>
             </a:extLst>
           </p:cNvPr>
@@ -7189,7 +7189,7 @@
           <p:cNvPr id="5" name="Footer Placeholder 4">
             <a:extLst>
               <a:ext uri="{FF2B5EF4-FFF2-40B4-BE49-F238E27FC236}">
-                <a16:creationId xmlns="" xmlns:a16="http://schemas.microsoft.com/office/drawing/2014/main" id="{4B7105D6-7B52-4B7D-9473-BCD571A93A09}"/>
+                <a16:creationId xmlns:a16="http://schemas.microsoft.com/office/drawing/2014/main" xmlns="" id="{4B7105D6-7B52-4B7D-9473-BCD571A93A09}"/>
               </a:ext>
             </a:extLst>
           </p:cNvPr>
@@ -7233,7 +7233,7 @@
           <p:cNvPr id="6" name="Slide Number Placeholder 5">
             <a:extLst>
               <a:ext uri="{FF2B5EF4-FFF2-40B4-BE49-F238E27FC236}">
-                <a16:creationId xmlns="" xmlns:a16="http://schemas.microsoft.com/office/drawing/2014/main" id="{B13EAA0A-7090-4FA3-AD1C-CD4570404021}"/>
+                <a16:creationId xmlns:a16="http://schemas.microsoft.com/office/drawing/2014/main" xmlns="" id="{B13EAA0A-7090-4FA3-AD1C-CD4570404021}"/>
               </a:ext>
             </a:extLst>
           </p:cNvPr>
@@ -7613,7 +7613,7 @@
           <p:cNvPr id="2" name="Title 1">
             <a:extLst>
               <a:ext uri="{FF2B5EF4-FFF2-40B4-BE49-F238E27FC236}">
-                <a16:creationId xmlns="" xmlns:a16="http://schemas.microsoft.com/office/drawing/2014/main" id="{75454C9E-20FB-B999-9303-C71D1334BAD7}"/>
+                <a16:creationId xmlns:a16="http://schemas.microsoft.com/office/drawing/2014/main" xmlns="" id="{75454C9E-20FB-B999-9303-C71D1334BAD7}"/>
               </a:ext>
             </a:extLst>
           </p:cNvPr>
@@ -7636,7 +7636,23 @@
           <a:p>
             <a:r>
               <a:rPr lang="en-US" dirty="0" smtClean="0"/>
-              <a:t>Murder Analysis in India</a:t>
+              <a:t>Murder </a:t>
+            </a:r>
+            <a:r>
+              <a:rPr lang="en-US" smtClean="0"/>
+              <a:t>Analysis </a:t>
+            </a:r>
+            <a:r>
+              <a:rPr lang="en-US" smtClean="0"/>
+              <a:t>of</a:t>
+            </a:r>
+            <a:r>
+              <a:rPr lang="en-US" smtClean="0"/>
+              <a:t> </a:t>
+            </a:r>
+            <a:r>
+              <a:rPr lang="en-US" dirty="0" smtClean="0"/>
+              <a:t>India</a:t>
             </a:r>
             <a:endParaRPr lang="en-US" dirty="0"/>
           </a:p>
@@ -7789,7 +7805,7 @@
           <p:cNvPr id="7" name="slide2" descr="bar sheet murders per pop">
             <a:extLst>
               <a:ext uri="{FF2B5EF4-FFF2-40B4-BE49-F238E27FC236}">
-                <a16:creationId xmlns:lc="http://schemas.openxmlformats.org/drawingml/2006/lockedCanvas" xmlns:arto="http://schemas.microsoft.com/office/word/2006/arto" xmlns:o="urn:schemas-microsoft-com:office:office" xmlns:v="urn:schemas-microsoft-com:vml" xmlns:w10="urn:schemas-microsoft-com:office:word" xmlns:w="http://schemas.openxmlformats.org/wordprocessingml/2006/main" xmlns="" xmlns:a16="http://schemas.microsoft.com/office/drawing/2014/main" xmlns:wps="http://schemas.microsoft.com/office/word/2010/wordprocessingShape" xmlns:wne="http://schemas.microsoft.com/office/word/2006/wordml" xmlns:wpi="http://schemas.microsoft.com/office/word/2010/wordprocessingInk" xmlns:wpg="http://schemas.microsoft.com/office/word/2010/wordprocessingGroup" xmlns:w15="http://schemas.microsoft.com/office/word/2012/wordml" xmlns:w14="http://schemas.microsoft.com/office/word/2010/wordml" xmlns:wp="http://schemas.openxmlformats.org/drawingml/2006/wordprocessingDrawing" xmlns:wp14="http://schemas.microsoft.com/office/word/2010/wordprocessingDrawing" xmlns:m="http://schemas.openxmlformats.org/officeDocument/2006/math" xmlns:mc="http://schemas.openxmlformats.org/markup-compatibility/2006" xmlns:wpc="http://schemas.microsoft.com/office/word/2010/wordprocessingCanvas" id="{C2A17A3F-29B7-4A9D-9FC7-5EB285467C10}"/>
+                <a16:creationId xmlns:wpc="http://schemas.microsoft.com/office/word/2010/wordprocessingCanvas" xmlns:mc="http://schemas.openxmlformats.org/markup-compatibility/2006" xmlns:m="http://schemas.openxmlformats.org/officeDocument/2006/math" xmlns:wp14="http://schemas.microsoft.com/office/word/2010/wordprocessingDrawing" xmlns:wp="http://schemas.openxmlformats.org/drawingml/2006/wordprocessingDrawing" xmlns:w14="http://schemas.microsoft.com/office/word/2010/wordml" xmlns:w15="http://schemas.microsoft.com/office/word/2012/wordml" xmlns:wpg="http://schemas.microsoft.com/office/word/2010/wordprocessingGroup" xmlns:wpi="http://schemas.microsoft.com/office/word/2010/wordprocessingInk" xmlns:wne="http://schemas.microsoft.com/office/word/2006/wordml" xmlns:wps="http://schemas.microsoft.com/office/word/2010/wordprocessingShape" xmlns:a16="http://schemas.microsoft.com/office/drawing/2014/main" xmlns="" xmlns:w="http://schemas.openxmlformats.org/wordprocessingml/2006/main" xmlns:w10="urn:schemas-microsoft-com:office:word" xmlns:v="urn:schemas-microsoft-com:vml" xmlns:o="urn:schemas-microsoft-com:office:office" xmlns:arto="http://schemas.microsoft.com/office/word/2006/arto" xmlns:lc="http://schemas.openxmlformats.org/drawingml/2006/lockedCanvas" id="{C2A17A3F-29B7-4A9D-9FC7-5EB285467C10}"/>
               </a:ext>
             </a:extLst>
           </p:cNvPr>
@@ -7949,7 +7965,7 @@
           <p:cNvPr id="5" name="slide2" descr="bar sheet murders per pop">
             <a:extLst>
               <a:ext uri="{FF2B5EF4-FFF2-40B4-BE49-F238E27FC236}">
-                <a16:creationId xmlns:wpc="http://schemas.microsoft.com/office/word/2010/wordprocessingCanvas" xmlns:mc="http://schemas.openxmlformats.org/markup-compatibility/2006" xmlns:m="http://schemas.openxmlformats.org/officeDocument/2006/math" xmlns:wp14="http://schemas.microsoft.com/office/word/2010/wordprocessingDrawing" xmlns:wp="http://schemas.openxmlformats.org/drawingml/2006/wordprocessingDrawing" xmlns:w14="http://schemas.microsoft.com/office/word/2010/wordml" xmlns:w15="http://schemas.microsoft.com/office/word/2012/wordml" xmlns:wpg="http://schemas.microsoft.com/office/word/2010/wordprocessingGroup" xmlns:wpi="http://schemas.microsoft.com/office/word/2010/wordprocessingInk" xmlns:wne="http://schemas.microsoft.com/office/word/2006/wordml" xmlns:wps="http://schemas.microsoft.com/office/word/2010/wordprocessingShape" xmlns:o="urn:schemas-microsoft-com:office:office" xmlns:v="urn:schemas-microsoft-com:vml" xmlns:w10="urn:schemas-microsoft-com:office:word" xmlns:w="http://schemas.openxmlformats.org/wordprocessingml/2006/main" xmlns="" xmlns:a16="http://schemas.microsoft.com/office/drawing/2014/main" xmlns:arto="http://schemas.microsoft.com/office/word/2006/arto" xmlns:lc="http://schemas.openxmlformats.org/drawingml/2006/lockedCanvas" id="{75919618-7BF2-49D0-8B97-51582139D1DC}"/>
+                <a16:creationId xmlns:lc="http://schemas.openxmlformats.org/drawingml/2006/lockedCanvas" xmlns:arto="http://schemas.microsoft.com/office/word/2006/arto" xmlns:a16="http://schemas.microsoft.com/office/drawing/2014/main" xmlns="" xmlns:w="http://schemas.openxmlformats.org/wordprocessingml/2006/main" xmlns:w10="urn:schemas-microsoft-com:office:word" xmlns:v="urn:schemas-microsoft-com:vml" xmlns:o="urn:schemas-microsoft-com:office:office" xmlns:wps="http://schemas.microsoft.com/office/word/2010/wordprocessingShape" xmlns:wne="http://schemas.microsoft.com/office/word/2006/wordml" xmlns:wpi="http://schemas.microsoft.com/office/word/2010/wordprocessingInk" xmlns:wpg="http://schemas.microsoft.com/office/word/2010/wordprocessingGroup" xmlns:w15="http://schemas.microsoft.com/office/word/2012/wordml" xmlns:w14="http://schemas.microsoft.com/office/word/2010/wordml" xmlns:wp="http://schemas.openxmlformats.org/drawingml/2006/wordprocessingDrawing" xmlns:wp14="http://schemas.microsoft.com/office/word/2010/wordprocessingDrawing" xmlns:m="http://schemas.openxmlformats.org/officeDocument/2006/math" xmlns:mc="http://schemas.openxmlformats.org/markup-compatibility/2006" xmlns:wpc="http://schemas.microsoft.com/office/word/2010/wordprocessingCanvas" id="{75919618-7BF2-49D0-8B97-51582139D1DC}"/>
               </a:ext>
             </a:extLst>
           </p:cNvPr>
@@ -8103,7 +8119,7 @@
           <p:cNvPr id="5" name="slide2" descr="Sheet 12">
             <a:extLst>
               <a:ext uri="{FF2B5EF4-FFF2-40B4-BE49-F238E27FC236}">
-                <a16:creationId xmlns:lc="http://schemas.openxmlformats.org/drawingml/2006/lockedCanvas" xmlns:arto="http://schemas.microsoft.com/office/word/2006/arto" xmlns:o="urn:schemas-microsoft-com:office:office" xmlns:v="urn:schemas-microsoft-com:vml" xmlns:w10="urn:schemas-microsoft-com:office:word" xmlns:w="http://schemas.openxmlformats.org/wordprocessingml/2006/main" xmlns="" xmlns:a16="http://schemas.microsoft.com/office/drawing/2014/main" xmlns:wps="http://schemas.microsoft.com/office/word/2010/wordprocessingShape" xmlns:wne="http://schemas.microsoft.com/office/word/2006/wordml" xmlns:wpi="http://schemas.microsoft.com/office/word/2010/wordprocessingInk" xmlns:wpg="http://schemas.microsoft.com/office/word/2010/wordprocessingGroup" xmlns:w15="http://schemas.microsoft.com/office/word/2012/wordml" xmlns:w14="http://schemas.microsoft.com/office/word/2010/wordml" xmlns:wp="http://schemas.openxmlformats.org/drawingml/2006/wordprocessingDrawing" xmlns:wp14="http://schemas.microsoft.com/office/word/2010/wordprocessingDrawing" xmlns:m="http://schemas.openxmlformats.org/officeDocument/2006/math" xmlns:mc="http://schemas.openxmlformats.org/markup-compatibility/2006" xmlns:wpc="http://schemas.microsoft.com/office/word/2010/wordprocessingCanvas" id="{E8F9DD5F-7B11-4903-A659-5598B2C883B2}"/>
+                <a16:creationId xmlns:wpc="http://schemas.microsoft.com/office/word/2010/wordprocessingCanvas" xmlns:mc="http://schemas.openxmlformats.org/markup-compatibility/2006" xmlns:m="http://schemas.openxmlformats.org/officeDocument/2006/math" xmlns:wp14="http://schemas.microsoft.com/office/word/2010/wordprocessingDrawing" xmlns:wp="http://schemas.openxmlformats.org/drawingml/2006/wordprocessingDrawing" xmlns:w14="http://schemas.microsoft.com/office/word/2010/wordml" xmlns:w15="http://schemas.microsoft.com/office/word/2012/wordml" xmlns:wpg="http://schemas.microsoft.com/office/word/2010/wordprocessingGroup" xmlns:wpi="http://schemas.microsoft.com/office/word/2010/wordprocessingInk" xmlns:wne="http://schemas.microsoft.com/office/word/2006/wordml" xmlns:wps="http://schemas.microsoft.com/office/word/2010/wordprocessingShape" xmlns:a16="http://schemas.microsoft.com/office/drawing/2014/main" xmlns="" xmlns:w="http://schemas.openxmlformats.org/wordprocessingml/2006/main" xmlns:w10="urn:schemas-microsoft-com:office:word" xmlns:v="urn:schemas-microsoft-com:vml" xmlns:o="urn:schemas-microsoft-com:office:office" xmlns:arto="http://schemas.microsoft.com/office/word/2006/arto" xmlns:lc="http://schemas.openxmlformats.org/drawingml/2006/lockedCanvas" id="{E8F9DD5F-7B11-4903-A659-5598B2C883B2}"/>
               </a:ext>
             </a:extLst>
           </p:cNvPr>
@@ -8911,7 +8927,7 @@
           <p:cNvPr id="8" name="slide5" descr="Region wise plot">
             <a:extLst>
               <a:ext uri="{FF2B5EF4-FFF2-40B4-BE49-F238E27FC236}">
-                <a16:creationId xmlns:wpc="http://schemas.microsoft.com/office/word/2010/wordprocessingCanvas" xmlns:mc="http://schemas.openxmlformats.org/markup-compatibility/2006" xmlns:m="http://schemas.openxmlformats.org/officeDocument/2006/math" xmlns:wp14="http://schemas.microsoft.com/office/word/2010/wordprocessingDrawing" xmlns:wp="http://schemas.openxmlformats.org/drawingml/2006/wordprocessingDrawing" xmlns:w14="http://schemas.microsoft.com/office/word/2010/wordml" xmlns:w15="http://schemas.microsoft.com/office/word/2012/wordml" xmlns:wpg="http://schemas.microsoft.com/office/word/2010/wordprocessingGroup" xmlns:wpi="http://schemas.microsoft.com/office/word/2010/wordprocessingInk" xmlns:wne="http://schemas.microsoft.com/office/word/2006/wordml" xmlns:wps="http://schemas.microsoft.com/office/word/2010/wordprocessingShape" xmlns:o="urn:schemas-microsoft-com:office:office" xmlns:v="urn:schemas-microsoft-com:vml" xmlns:w10="urn:schemas-microsoft-com:office:word" xmlns:w="http://schemas.openxmlformats.org/wordprocessingml/2006/main" xmlns="" xmlns:a16="http://schemas.microsoft.com/office/drawing/2014/main" xmlns:arto="http://schemas.microsoft.com/office/word/2006/arto" xmlns:lc="http://schemas.openxmlformats.org/drawingml/2006/lockedCanvas" id="{0129C541-F90F-49CA-B916-8E2A2E584F29}"/>
+                <a16:creationId xmlns:lc="http://schemas.openxmlformats.org/drawingml/2006/lockedCanvas" xmlns:arto="http://schemas.microsoft.com/office/word/2006/arto" xmlns:a16="http://schemas.microsoft.com/office/drawing/2014/main" xmlns="" xmlns:w="http://schemas.openxmlformats.org/wordprocessingml/2006/main" xmlns:w10="urn:schemas-microsoft-com:office:word" xmlns:v="urn:schemas-microsoft-com:vml" xmlns:o="urn:schemas-microsoft-com:office:office" xmlns:wps="http://schemas.microsoft.com/office/word/2010/wordprocessingShape" xmlns:wne="http://schemas.microsoft.com/office/word/2006/wordml" xmlns:wpi="http://schemas.microsoft.com/office/word/2010/wordprocessingInk" xmlns:wpg="http://schemas.microsoft.com/office/word/2010/wordprocessingGroup" xmlns:w15="http://schemas.microsoft.com/office/word/2012/wordml" xmlns:w14="http://schemas.microsoft.com/office/word/2010/wordml" xmlns:wp="http://schemas.openxmlformats.org/drawingml/2006/wordprocessingDrawing" xmlns:wp14="http://schemas.microsoft.com/office/word/2010/wordprocessingDrawing" xmlns:m="http://schemas.openxmlformats.org/officeDocument/2006/math" xmlns:mc="http://schemas.openxmlformats.org/markup-compatibility/2006" xmlns:wpc="http://schemas.microsoft.com/office/word/2010/wordprocessingCanvas" id="{0129C541-F90F-49CA-B916-8E2A2E584F29}"/>
               </a:ext>
             </a:extLst>
           </p:cNvPr>
@@ -9130,7 +9146,7 @@
           <p:cNvPr id="5" name="slide2" descr="region wise ratio plot">
             <a:extLst>
               <a:ext uri="{FF2B5EF4-FFF2-40B4-BE49-F238E27FC236}">
-                <a16:creationId xmlns:wpc="http://schemas.microsoft.com/office/word/2010/wordprocessingCanvas" xmlns:mc="http://schemas.openxmlformats.org/markup-compatibility/2006" xmlns:m="http://schemas.openxmlformats.org/officeDocument/2006/math" xmlns:wp14="http://schemas.microsoft.com/office/word/2010/wordprocessingDrawing" xmlns:wp="http://schemas.openxmlformats.org/drawingml/2006/wordprocessingDrawing" xmlns:w14="http://schemas.microsoft.com/office/word/2010/wordml" xmlns:w15="http://schemas.microsoft.com/office/word/2012/wordml" xmlns:wpg="http://schemas.microsoft.com/office/word/2010/wordprocessingGroup" xmlns:wpi="http://schemas.microsoft.com/office/word/2010/wordprocessingInk" xmlns:wne="http://schemas.microsoft.com/office/word/2006/wordml" xmlns:wps="http://schemas.microsoft.com/office/word/2010/wordprocessingShape" xmlns:a16="http://schemas.microsoft.com/office/drawing/2014/main" xmlns="" xmlns:w="http://schemas.openxmlformats.org/wordprocessingml/2006/main" xmlns:w10="urn:schemas-microsoft-com:office:word" xmlns:v="urn:schemas-microsoft-com:vml" xmlns:o="urn:schemas-microsoft-com:office:office" xmlns:arto="http://schemas.microsoft.com/office/word/2006/arto" xmlns:lc="http://schemas.openxmlformats.org/drawingml/2006/lockedCanvas" id="{6395806F-DA26-4203-ACAC-D49E05C81901}"/>
+                <a16:creationId xmlns:lc="http://schemas.openxmlformats.org/drawingml/2006/lockedCanvas" xmlns:arto="http://schemas.microsoft.com/office/word/2006/arto" xmlns:o="urn:schemas-microsoft-com:office:office" xmlns:v="urn:schemas-microsoft-com:vml" xmlns:w10="urn:schemas-microsoft-com:office:word" xmlns:w="http://schemas.openxmlformats.org/wordprocessingml/2006/main" xmlns="" xmlns:a16="http://schemas.microsoft.com/office/drawing/2014/main" xmlns:wps="http://schemas.microsoft.com/office/word/2010/wordprocessingShape" xmlns:wne="http://schemas.microsoft.com/office/word/2006/wordml" xmlns:wpi="http://schemas.microsoft.com/office/word/2010/wordprocessingInk" xmlns:wpg="http://schemas.microsoft.com/office/word/2010/wordprocessingGroup" xmlns:w15="http://schemas.microsoft.com/office/word/2012/wordml" xmlns:w14="http://schemas.microsoft.com/office/word/2010/wordml" xmlns:wp="http://schemas.openxmlformats.org/drawingml/2006/wordprocessingDrawing" xmlns:wp14="http://schemas.microsoft.com/office/word/2010/wordprocessingDrawing" xmlns:m="http://schemas.openxmlformats.org/officeDocument/2006/math" xmlns:mc="http://schemas.openxmlformats.org/markup-compatibility/2006" xmlns:wpc="http://schemas.microsoft.com/office/word/2010/wordprocessingCanvas" id="{6395806F-DA26-4203-ACAC-D49E05C81901}"/>
               </a:ext>
             </a:extLst>
           </p:cNvPr>
@@ -9725,7 +9741,7 @@
           <p:cNvPr id="2" name="Title 1">
             <a:extLst>
               <a:ext uri="{FF2B5EF4-FFF2-40B4-BE49-F238E27FC236}">
-                <a16:creationId xmlns="" xmlns:a16="http://schemas.microsoft.com/office/drawing/2014/main" id="{2CD97761-0B88-A5E8-0B78-C39173D05F4D}"/>
+                <a16:creationId xmlns:a16="http://schemas.microsoft.com/office/drawing/2014/main" xmlns="" id="{2CD97761-0B88-A5E8-0B78-C39173D05F4D}"/>
               </a:ext>
             </a:extLst>
           </p:cNvPr>
@@ -9761,7 +9777,7 @@
           <p:cNvPr id="3" name="Content Placeholder 2">
             <a:extLst>
               <a:ext uri="{FF2B5EF4-FFF2-40B4-BE49-F238E27FC236}">
-                <a16:creationId xmlns="" xmlns:a16="http://schemas.microsoft.com/office/drawing/2014/main" id="{02BA04E6-CD61-B962-4287-DEC1993C32D6}"/>
+                <a16:creationId xmlns:a16="http://schemas.microsoft.com/office/drawing/2014/main" xmlns="" id="{02BA04E6-CD61-B962-4287-DEC1993C32D6}"/>
               </a:ext>
             </a:extLst>
           </p:cNvPr>
@@ -9809,7 +9825,7 @@
           <p:cNvPr id="4" name="Slide Number Placeholder 3">
             <a:extLst>
               <a:ext uri="{FF2B5EF4-FFF2-40B4-BE49-F238E27FC236}">
-                <a16:creationId xmlns="" xmlns:a16="http://schemas.microsoft.com/office/drawing/2014/main" id="{2CD4601E-33F5-5714-867D-A0B584DA7C11}"/>
+                <a16:creationId xmlns:a16="http://schemas.microsoft.com/office/drawing/2014/main" xmlns="" id="{2CD4601E-33F5-5714-867D-A0B584DA7C11}"/>
               </a:ext>
             </a:extLst>
           </p:cNvPr>
@@ -9906,7 +9922,7 @@
           <p:cNvPr id="5" name="slide2" descr="Sheet 11 (2)">
             <a:extLst>
               <a:ext uri="{FF2B5EF4-FFF2-40B4-BE49-F238E27FC236}">
-                <a16:creationId xmlns:wpc="http://schemas.microsoft.com/office/word/2010/wordprocessingCanvas" xmlns:mc="http://schemas.openxmlformats.org/markup-compatibility/2006" xmlns:m="http://schemas.openxmlformats.org/officeDocument/2006/math" xmlns:wp14="http://schemas.microsoft.com/office/word/2010/wordprocessingDrawing" xmlns:wp="http://schemas.openxmlformats.org/drawingml/2006/wordprocessingDrawing" xmlns:w14="http://schemas.microsoft.com/office/word/2010/wordml" xmlns:w15="http://schemas.microsoft.com/office/word/2012/wordml" xmlns:wpg="http://schemas.microsoft.com/office/word/2010/wordprocessingGroup" xmlns:wpi="http://schemas.microsoft.com/office/word/2010/wordprocessingInk" xmlns:wne="http://schemas.microsoft.com/office/word/2006/wordml" xmlns:wps="http://schemas.microsoft.com/office/word/2010/wordprocessingShape" xmlns:o="urn:schemas-microsoft-com:office:office" xmlns:v="urn:schemas-microsoft-com:vml" xmlns:w10="urn:schemas-microsoft-com:office:word" xmlns:w="http://schemas.openxmlformats.org/wordprocessingml/2006/main" xmlns="" xmlns:a16="http://schemas.microsoft.com/office/drawing/2014/main" xmlns:arto="http://schemas.microsoft.com/office/word/2006/arto" xmlns:lc="http://schemas.openxmlformats.org/drawingml/2006/lockedCanvas" id="{1735C787-E27E-4342-82CE-B4583A725636}"/>
+                <a16:creationId xmlns:lc="http://schemas.openxmlformats.org/drawingml/2006/lockedCanvas" xmlns:arto="http://schemas.microsoft.com/office/word/2006/arto" xmlns:a16="http://schemas.microsoft.com/office/drawing/2014/main" xmlns="" xmlns:w="http://schemas.openxmlformats.org/wordprocessingml/2006/main" xmlns:w10="urn:schemas-microsoft-com:office:word" xmlns:v="urn:schemas-microsoft-com:vml" xmlns:o="urn:schemas-microsoft-com:office:office" xmlns:wps="http://schemas.microsoft.com/office/word/2010/wordprocessingShape" xmlns:wne="http://schemas.microsoft.com/office/word/2006/wordml" xmlns:wpi="http://schemas.microsoft.com/office/word/2010/wordprocessingInk" xmlns:wpg="http://schemas.microsoft.com/office/word/2010/wordprocessingGroup" xmlns:w15="http://schemas.microsoft.com/office/word/2012/wordml" xmlns:w14="http://schemas.microsoft.com/office/word/2010/wordml" xmlns:wp="http://schemas.openxmlformats.org/drawingml/2006/wordprocessingDrawing" xmlns:wp14="http://schemas.microsoft.com/office/word/2010/wordprocessingDrawing" xmlns:m="http://schemas.openxmlformats.org/officeDocument/2006/math" xmlns:mc="http://schemas.openxmlformats.org/markup-compatibility/2006" xmlns:wpc="http://schemas.microsoft.com/office/word/2010/wordprocessingCanvas" id="{1735C787-E27E-4342-82CE-B4583A725636}"/>
               </a:ext>
             </a:extLst>
           </p:cNvPr>
@@ -10488,7 +10504,7 @@
           <p:cNvPr id="5" name="slide2" descr="Murders region wise box plot">
             <a:extLst>
               <a:ext uri="{FF2B5EF4-FFF2-40B4-BE49-F238E27FC236}">
-                <a16:creationId xmlns:wpc="http://schemas.microsoft.com/office/word/2010/wordprocessingCanvas" xmlns:mc="http://schemas.openxmlformats.org/markup-compatibility/2006" xmlns:m="http://schemas.openxmlformats.org/officeDocument/2006/math" xmlns:wp14="http://schemas.microsoft.com/office/word/2010/wordprocessingDrawing" xmlns:wp="http://schemas.openxmlformats.org/drawingml/2006/wordprocessingDrawing" xmlns:w14="http://schemas.microsoft.com/office/word/2010/wordml" xmlns:w15="http://schemas.microsoft.com/office/word/2012/wordml" xmlns:wpg="http://schemas.microsoft.com/office/word/2010/wordprocessingGroup" xmlns:wpi="http://schemas.microsoft.com/office/word/2010/wordprocessingInk" xmlns:wne="http://schemas.microsoft.com/office/word/2006/wordml" xmlns:wps="http://schemas.microsoft.com/office/word/2010/wordprocessingShape" xmlns:a16="http://schemas.microsoft.com/office/drawing/2014/main" xmlns="" xmlns:w="http://schemas.openxmlformats.org/wordprocessingml/2006/main" xmlns:w10="urn:schemas-microsoft-com:office:word" xmlns:v="urn:schemas-microsoft-com:vml" xmlns:o="urn:schemas-microsoft-com:office:office" xmlns:arto="http://schemas.microsoft.com/office/word/2006/arto" xmlns:lc="http://schemas.openxmlformats.org/drawingml/2006/lockedCanvas" id="{42004E60-3194-4DEB-9D78-D8FF22CDB019}"/>
+                <a16:creationId xmlns:lc="http://schemas.openxmlformats.org/drawingml/2006/lockedCanvas" xmlns:arto="http://schemas.microsoft.com/office/word/2006/arto" xmlns:o="urn:schemas-microsoft-com:office:office" xmlns:v="urn:schemas-microsoft-com:vml" xmlns:w10="urn:schemas-microsoft-com:office:word" xmlns:w="http://schemas.openxmlformats.org/wordprocessingml/2006/main" xmlns="" xmlns:a16="http://schemas.microsoft.com/office/drawing/2014/main" xmlns:wps="http://schemas.microsoft.com/office/word/2010/wordprocessingShape" xmlns:wne="http://schemas.microsoft.com/office/word/2006/wordml" xmlns:wpi="http://schemas.microsoft.com/office/word/2010/wordprocessingInk" xmlns:wpg="http://schemas.microsoft.com/office/word/2010/wordprocessingGroup" xmlns:w15="http://schemas.microsoft.com/office/word/2012/wordml" xmlns:w14="http://schemas.microsoft.com/office/word/2010/wordml" xmlns:wp="http://schemas.openxmlformats.org/drawingml/2006/wordprocessingDrawing" xmlns:wp14="http://schemas.microsoft.com/office/word/2010/wordprocessingDrawing" xmlns:m="http://schemas.openxmlformats.org/officeDocument/2006/math" xmlns:mc="http://schemas.openxmlformats.org/markup-compatibility/2006" xmlns:wpc="http://schemas.microsoft.com/office/word/2010/wordprocessingCanvas" id="{42004E60-3194-4DEB-9D78-D8FF22CDB019}"/>
               </a:ext>
             </a:extLst>
           </p:cNvPr>
@@ -12166,7 +12182,7 @@
           <p:cNvPr id="6" name="slide2" descr="motives timeline">
             <a:extLst>
               <a:ext uri="{FF2B5EF4-FFF2-40B4-BE49-F238E27FC236}">
-                <a16:creationId xmlns:wpc="http://schemas.microsoft.com/office/word/2010/wordprocessingCanvas" xmlns:mc="http://schemas.openxmlformats.org/markup-compatibility/2006" xmlns:m="http://schemas.openxmlformats.org/officeDocument/2006/math" xmlns:wp14="http://schemas.microsoft.com/office/word/2010/wordprocessingDrawing" xmlns:wp="http://schemas.openxmlformats.org/drawingml/2006/wordprocessingDrawing" xmlns:w14="http://schemas.microsoft.com/office/word/2010/wordml" xmlns:w15="http://schemas.microsoft.com/office/word/2012/wordml" xmlns:wpg="http://schemas.microsoft.com/office/word/2010/wordprocessingGroup" xmlns:wpi="http://schemas.microsoft.com/office/word/2010/wordprocessingInk" xmlns:wne="http://schemas.microsoft.com/office/word/2006/wordml" xmlns:wps="http://schemas.microsoft.com/office/word/2010/wordprocessingShape" xmlns:o="urn:schemas-microsoft-com:office:office" xmlns:v="urn:schemas-microsoft-com:vml" xmlns:w10="urn:schemas-microsoft-com:office:word" xmlns:w="http://schemas.openxmlformats.org/wordprocessingml/2006/main" xmlns="" xmlns:a16="http://schemas.microsoft.com/office/drawing/2014/main" xmlns:arto="http://schemas.microsoft.com/office/word/2006/arto" xmlns:lc="http://schemas.openxmlformats.org/drawingml/2006/lockedCanvas" id="{798FC51C-58F5-454F-A3F2-56A4398908A5}"/>
+                <a16:creationId xmlns:lc="http://schemas.openxmlformats.org/drawingml/2006/lockedCanvas" xmlns:arto="http://schemas.microsoft.com/office/word/2006/arto" xmlns:a16="http://schemas.microsoft.com/office/drawing/2014/main" xmlns="" xmlns:w="http://schemas.openxmlformats.org/wordprocessingml/2006/main" xmlns:w10="urn:schemas-microsoft-com:office:word" xmlns:v="urn:schemas-microsoft-com:vml" xmlns:o="urn:schemas-microsoft-com:office:office" xmlns:wps="http://schemas.microsoft.com/office/word/2010/wordprocessingShape" xmlns:wne="http://schemas.microsoft.com/office/word/2006/wordml" xmlns:wpi="http://schemas.microsoft.com/office/word/2010/wordprocessingInk" xmlns:wpg="http://schemas.microsoft.com/office/word/2010/wordprocessingGroup" xmlns:w15="http://schemas.microsoft.com/office/word/2012/wordml" xmlns:w14="http://schemas.microsoft.com/office/word/2010/wordml" xmlns:wp="http://schemas.openxmlformats.org/drawingml/2006/wordprocessingDrawing" xmlns:wp14="http://schemas.microsoft.com/office/word/2010/wordprocessingDrawing" xmlns:m="http://schemas.openxmlformats.org/officeDocument/2006/math" xmlns:mc="http://schemas.openxmlformats.org/markup-compatibility/2006" xmlns:wpc="http://schemas.microsoft.com/office/word/2010/wordprocessingCanvas" id="{798FC51C-58F5-454F-A3F2-56A4398908A5}"/>
               </a:ext>
             </a:extLst>
           </p:cNvPr>
@@ -12423,7 +12439,7 @@
           <p:cNvPr id="5" name="slide3" descr="stacked chart">
             <a:extLst>
               <a:ext uri="{FF2B5EF4-FFF2-40B4-BE49-F238E27FC236}">
-                <a16:creationId xmlns:lc="http://schemas.openxmlformats.org/drawingml/2006/lockedCanvas" xmlns:arto="http://schemas.microsoft.com/office/word/2006/arto" xmlns:a16="http://schemas.microsoft.com/office/drawing/2014/main" xmlns="" xmlns:w="http://schemas.openxmlformats.org/wordprocessingml/2006/main" xmlns:w10="urn:schemas-microsoft-com:office:word" xmlns:v="urn:schemas-microsoft-com:vml" xmlns:o="urn:schemas-microsoft-com:office:office" xmlns:wps="http://schemas.microsoft.com/office/word/2010/wordprocessingShape" xmlns:wne="http://schemas.microsoft.com/office/word/2006/wordml" xmlns:wpi="http://schemas.microsoft.com/office/word/2010/wordprocessingInk" xmlns:wpg="http://schemas.microsoft.com/office/word/2010/wordprocessingGroup" xmlns:w15="http://schemas.microsoft.com/office/word/2012/wordml" xmlns:w14="http://schemas.microsoft.com/office/word/2010/wordml" xmlns:wp="http://schemas.openxmlformats.org/drawingml/2006/wordprocessingDrawing" xmlns:wp14="http://schemas.microsoft.com/office/word/2010/wordprocessingDrawing" xmlns:m="http://schemas.openxmlformats.org/officeDocument/2006/math" xmlns:mc="http://schemas.openxmlformats.org/markup-compatibility/2006" xmlns:wpc="http://schemas.microsoft.com/office/word/2010/wordprocessingCanvas" id="{FCFFBAAC-033C-4E33-A170-7D0A6D7A3955}"/>
+                <a16:creationId xmlns:wpc="http://schemas.microsoft.com/office/word/2010/wordprocessingCanvas" xmlns:mc="http://schemas.openxmlformats.org/markup-compatibility/2006" xmlns:m="http://schemas.openxmlformats.org/officeDocument/2006/math" xmlns:wp14="http://schemas.microsoft.com/office/word/2010/wordprocessingDrawing" xmlns:wp="http://schemas.openxmlformats.org/drawingml/2006/wordprocessingDrawing" xmlns:w14="http://schemas.microsoft.com/office/word/2010/wordml" xmlns:w15="http://schemas.microsoft.com/office/word/2012/wordml" xmlns:wpg="http://schemas.microsoft.com/office/word/2010/wordprocessingGroup" xmlns:wpi="http://schemas.microsoft.com/office/word/2010/wordprocessingInk" xmlns:wne="http://schemas.microsoft.com/office/word/2006/wordml" xmlns:wps="http://schemas.microsoft.com/office/word/2010/wordprocessingShape" xmlns:o="urn:schemas-microsoft-com:office:office" xmlns:v="urn:schemas-microsoft-com:vml" xmlns:w10="urn:schemas-microsoft-com:office:word" xmlns:w="http://schemas.openxmlformats.org/wordprocessingml/2006/main" xmlns="" xmlns:a16="http://schemas.microsoft.com/office/drawing/2014/main" xmlns:arto="http://schemas.microsoft.com/office/word/2006/arto" xmlns:lc="http://schemas.openxmlformats.org/drawingml/2006/lockedCanvas" id="{FCFFBAAC-033C-4E33-A170-7D0A6D7A3955}"/>
               </a:ext>
             </a:extLst>
           </p:cNvPr>
@@ -12709,7 +12725,7 @@
           <p:cNvPr id="6" name="slide2" descr="Sheet 4">
             <a:extLst>
               <a:ext uri="{FF2B5EF4-FFF2-40B4-BE49-F238E27FC236}">
-                <a16:creationId xmlns:lc="http://schemas.openxmlformats.org/drawingml/2006/lockedCanvas" xmlns:arto="http://schemas.microsoft.com/office/word/2006/arto" xmlns:o="urn:schemas-microsoft-com:office:office" xmlns:v="urn:schemas-microsoft-com:vml" xmlns:w10="urn:schemas-microsoft-com:office:word" xmlns:w="http://schemas.openxmlformats.org/wordprocessingml/2006/main" xmlns="" xmlns:a16="http://schemas.microsoft.com/office/drawing/2014/main" xmlns:wps="http://schemas.microsoft.com/office/word/2010/wordprocessingShape" xmlns:wne="http://schemas.microsoft.com/office/word/2006/wordml" xmlns:wpi="http://schemas.microsoft.com/office/word/2010/wordprocessingInk" xmlns:wpg="http://schemas.microsoft.com/office/word/2010/wordprocessingGroup" xmlns:w15="http://schemas.microsoft.com/office/word/2012/wordml" xmlns:w14="http://schemas.microsoft.com/office/word/2010/wordml" xmlns:wp="http://schemas.openxmlformats.org/drawingml/2006/wordprocessingDrawing" xmlns:wp14="http://schemas.microsoft.com/office/word/2010/wordprocessingDrawing" xmlns:m="http://schemas.openxmlformats.org/officeDocument/2006/math" xmlns:mc="http://schemas.openxmlformats.org/markup-compatibility/2006" xmlns:wpc="http://schemas.microsoft.com/office/word/2010/wordprocessingCanvas" id="{7D577A0A-4895-438B-8EDF-38E63AFFCB12}"/>
+                <a16:creationId xmlns:wpc="http://schemas.microsoft.com/office/word/2010/wordprocessingCanvas" xmlns:mc="http://schemas.openxmlformats.org/markup-compatibility/2006" xmlns:m="http://schemas.openxmlformats.org/officeDocument/2006/math" xmlns:wp14="http://schemas.microsoft.com/office/word/2010/wordprocessingDrawing" xmlns:wp="http://schemas.openxmlformats.org/drawingml/2006/wordprocessingDrawing" xmlns:w14="http://schemas.microsoft.com/office/word/2010/wordml" xmlns:w15="http://schemas.microsoft.com/office/word/2012/wordml" xmlns:wpg="http://schemas.microsoft.com/office/word/2010/wordprocessingGroup" xmlns:wpi="http://schemas.microsoft.com/office/word/2010/wordprocessingInk" xmlns:wne="http://schemas.microsoft.com/office/word/2006/wordml" xmlns:wps="http://schemas.microsoft.com/office/word/2010/wordprocessingShape" xmlns:a16="http://schemas.microsoft.com/office/drawing/2014/main" xmlns="" xmlns:w="http://schemas.openxmlformats.org/wordprocessingml/2006/main" xmlns:w10="urn:schemas-microsoft-com:office:word" xmlns:v="urn:schemas-microsoft-com:vml" xmlns:o="urn:schemas-microsoft-com:office:office" xmlns:arto="http://schemas.microsoft.com/office/word/2006/arto" xmlns:lc="http://schemas.openxmlformats.org/drawingml/2006/lockedCanvas" id="{7D577A0A-4895-438B-8EDF-38E63AFFCB12}"/>
               </a:ext>
             </a:extLst>
           </p:cNvPr>
@@ -12882,7 +12898,7 @@
           <p:cNvPr id="5" name="slide2" descr="Boxplot of Motives">
             <a:extLst>
               <a:ext uri="{FF2B5EF4-FFF2-40B4-BE49-F238E27FC236}">
-                <a16:creationId xmlns:lc="http://schemas.openxmlformats.org/drawingml/2006/lockedCanvas" xmlns:arto="http://schemas.microsoft.com/office/word/2006/arto" xmlns:a16="http://schemas.microsoft.com/office/drawing/2014/main" xmlns="" xmlns:w="http://schemas.openxmlformats.org/wordprocessingml/2006/main" xmlns:w10="urn:schemas-microsoft-com:office:word" xmlns:v="urn:schemas-microsoft-com:vml" xmlns:o="urn:schemas-microsoft-com:office:office" xmlns:wps="http://schemas.microsoft.com/office/word/2010/wordprocessingShape" xmlns:wne="http://schemas.microsoft.com/office/word/2006/wordml" xmlns:wpi="http://schemas.microsoft.com/office/word/2010/wordprocessingInk" xmlns:wpg="http://schemas.microsoft.com/office/word/2010/wordprocessingGroup" xmlns:w15="http://schemas.microsoft.com/office/word/2012/wordml" xmlns:w14="http://schemas.microsoft.com/office/word/2010/wordml" xmlns:wp="http://schemas.openxmlformats.org/drawingml/2006/wordprocessingDrawing" xmlns:wp14="http://schemas.microsoft.com/office/word/2010/wordprocessingDrawing" xmlns:m="http://schemas.openxmlformats.org/officeDocument/2006/math" xmlns:mc="http://schemas.openxmlformats.org/markup-compatibility/2006" xmlns:wpc="http://schemas.microsoft.com/office/word/2010/wordprocessingCanvas" id="{3DE9D44C-6DA6-445E-B742-F2F7A944D6F4}"/>
+                <a16:creationId xmlns:wpc="http://schemas.microsoft.com/office/word/2010/wordprocessingCanvas" xmlns:mc="http://schemas.openxmlformats.org/markup-compatibility/2006" xmlns:m="http://schemas.openxmlformats.org/officeDocument/2006/math" xmlns:wp14="http://schemas.microsoft.com/office/word/2010/wordprocessingDrawing" xmlns:wp="http://schemas.openxmlformats.org/drawingml/2006/wordprocessingDrawing" xmlns:w14="http://schemas.microsoft.com/office/word/2010/wordml" xmlns:w15="http://schemas.microsoft.com/office/word/2012/wordml" xmlns:wpg="http://schemas.microsoft.com/office/word/2010/wordprocessingGroup" xmlns:wpi="http://schemas.microsoft.com/office/word/2010/wordprocessingInk" xmlns:wne="http://schemas.microsoft.com/office/word/2006/wordml" xmlns:wps="http://schemas.microsoft.com/office/word/2010/wordprocessingShape" xmlns:o="urn:schemas-microsoft-com:office:office" xmlns:v="urn:schemas-microsoft-com:vml" xmlns:w10="urn:schemas-microsoft-com:office:word" xmlns:w="http://schemas.openxmlformats.org/wordprocessingml/2006/main" xmlns="" xmlns:a16="http://schemas.microsoft.com/office/drawing/2014/main" xmlns:arto="http://schemas.microsoft.com/office/word/2006/arto" xmlns:lc="http://schemas.openxmlformats.org/drawingml/2006/lockedCanvas" id="{3DE9D44C-6DA6-445E-B742-F2F7A944D6F4}"/>
               </a:ext>
             </a:extLst>
           </p:cNvPr>
@@ -16700,7 +16716,7 @@
           <p:cNvPr id="5" name="slide3" descr="Bar sheet All">
             <a:extLst>
               <a:ext uri="{FF2B5EF4-FFF2-40B4-BE49-F238E27FC236}">
-                <a16:creationId xmlns:lc="http://schemas.openxmlformats.org/drawingml/2006/lockedCanvas" xmlns:arto="http://schemas.microsoft.com/office/word/2006/arto" xmlns:a16="http://schemas.microsoft.com/office/drawing/2014/main" xmlns="" xmlns:w="http://schemas.openxmlformats.org/wordprocessingml/2006/main" xmlns:w10="urn:schemas-microsoft-com:office:word" xmlns:v="urn:schemas-microsoft-com:vml" xmlns:o="urn:schemas-microsoft-com:office:office" xmlns:wps="http://schemas.microsoft.com/office/word/2010/wordprocessingShape" xmlns:wne="http://schemas.microsoft.com/office/word/2006/wordml" xmlns:wpi="http://schemas.microsoft.com/office/word/2010/wordprocessingInk" xmlns:wpg="http://schemas.microsoft.com/office/word/2010/wordprocessingGroup" xmlns:w15="http://schemas.microsoft.com/office/word/2012/wordml" xmlns:w14="http://schemas.microsoft.com/office/word/2010/wordml" xmlns:wp="http://schemas.openxmlformats.org/drawingml/2006/wordprocessingDrawing" xmlns:wp14="http://schemas.microsoft.com/office/word/2010/wordprocessingDrawing" xmlns:m="http://schemas.openxmlformats.org/officeDocument/2006/math" xmlns:mc="http://schemas.openxmlformats.org/markup-compatibility/2006" xmlns:wpc="http://schemas.microsoft.com/office/word/2010/wordprocessingCanvas" id="{35C5EB73-3167-4412-A563-70A54F2D3BD7}"/>
+                <a16:creationId xmlns:wpc="http://schemas.microsoft.com/office/word/2010/wordprocessingCanvas" xmlns:mc="http://schemas.openxmlformats.org/markup-compatibility/2006" xmlns:m="http://schemas.openxmlformats.org/officeDocument/2006/math" xmlns:wp14="http://schemas.microsoft.com/office/word/2010/wordprocessingDrawing" xmlns:wp="http://schemas.openxmlformats.org/drawingml/2006/wordprocessingDrawing" xmlns:w14="http://schemas.microsoft.com/office/word/2010/wordml" xmlns:w15="http://schemas.microsoft.com/office/word/2012/wordml" xmlns:wpg="http://schemas.microsoft.com/office/word/2010/wordprocessingGroup" xmlns:wpi="http://schemas.microsoft.com/office/word/2010/wordprocessingInk" xmlns:wne="http://schemas.microsoft.com/office/word/2006/wordml" xmlns:wps="http://schemas.microsoft.com/office/word/2010/wordprocessingShape" xmlns:o="urn:schemas-microsoft-com:office:office" xmlns:v="urn:schemas-microsoft-com:vml" xmlns:w10="urn:schemas-microsoft-com:office:word" xmlns:w="http://schemas.openxmlformats.org/wordprocessingml/2006/main" xmlns="" xmlns:a16="http://schemas.microsoft.com/office/drawing/2014/main" xmlns:arto="http://schemas.microsoft.com/office/word/2006/arto" xmlns:lc="http://schemas.openxmlformats.org/drawingml/2006/lockedCanvas" id="{35C5EB73-3167-4412-A563-70A54F2D3BD7}"/>
               </a:ext>
             </a:extLst>
           </p:cNvPr>
@@ -16875,7 +16891,7 @@
           <p:cNvPr id="7" name="slide2" descr="Spatial Plot">
             <a:extLst>
               <a:ext uri="{FF2B5EF4-FFF2-40B4-BE49-F238E27FC236}">
-                <a16:creationId xmlns:lc="http://schemas.openxmlformats.org/drawingml/2006/lockedCanvas" xmlns:arto="http://schemas.microsoft.com/office/word/2006/arto" xmlns:a16="http://schemas.microsoft.com/office/drawing/2014/main" xmlns="" xmlns:w="http://schemas.openxmlformats.org/wordprocessingml/2006/main" xmlns:w10="urn:schemas-microsoft-com:office:word" xmlns:v="urn:schemas-microsoft-com:vml" xmlns:o="urn:schemas-microsoft-com:office:office" xmlns:wps="http://schemas.microsoft.com/office/word/2010/wordprocessingShape" xmlns:wne="http://schemas.microsoft.com/office/word/2006/wordml" xmlns:wpi="http://schemas.microsoft.com/office/word/2010/wordprocessingInk" xmlns:wpg="http://schemas.microsoft.com/office/word/2010/wordprocessingGroup" xmlns:w15="http://schemas.microsoft.com/office/word/2012/wordml" xmlns:w14="http://schemas.microsoft.com/office/word/2010/wordml" xmlns:wp="http://schemas.openxmlformats.org/drawingml/2006/wordprocessingDrawing" xmlns:wp14="http://schemas.microsoft.com/office/word/2010/wordprocessingDrawing" xmlns:m="http://schemas.openxmlformats.org/officeDocument/2006/math" xmlns:mc="http://schemas.openxmlformats.org/markup-compatibility/2006" xmlns:wpc="http://schemas.microsoft.com/office/word/2010/wordprocessingCanvas" id="{5615F5F2-4225-4FE3-B5A1-71CD4D4BFAEE}"/>
+                <a16:creationId xmlns:wpc="http://schemas.microsoft.com/office/word/2010/wordprocessingCanvas" xmlns:mc="http://schemas.openxmlformats.org/markup-compatibility/2006" xmlns:m="http://schemas.openxmlformats.org/officeDocument/2006/math" xmlns:wp14="http://schemas.microsoft.com/office/word/2010/wordprocessingDrawing" xmlns:wp="http://schemas.openxmlformats.org/drawingml/2006/wordprocessingDrawing" xmlns:w14="http://schemas.microsoft.com/office/word/2010/wordml" xmlns:w15="http://schemas.microsoft.com/office/word/2012/wordml" xmlns:wpg="http://schemas.microsoft.com/office/word/2010/wordprocessingGroup" xmlns:wpi="http://schemas.microsoft.com/office/word/2010/wordprocessingInk" xmlns:wne="http://schemas.microsoft.com/office/word/2006/wordml" xmlns:wps="http://schemas.microsoft.com/office/word/2010/wordprocessingShape" xmlns:o="urn:schemas-microsoft-com:office:office" xmlns:v="urn:schemas-microsoft-com:vml" xmlns:w10="urn:schemas-microsoft-com:office:word" xmlns:w="http://schemas.openxmlformats.org/wordprocessingml/2006/main" xmlns="" xmlns:a16="http://schemas.microsoft.com/office/drawing/2014/main" xmlns:arto="http://schemas.microsoft.com/office/word/2006/arto" xmlns:lc="http://schemas.openxmlformats.org/drawingml/2006/lockedCanvas" id="{5615F5F2-4225-4FE3-B5A1-71CD4D4BFAEE}"/>
               </a:ext>
             </a:extLst>
           </p:cNvPr>
@@ -17054,7 +17070,7 @@
           <p:cNvPr id="6" name="slide4" descr="Murders per Population">
             <a:extLst>
               <a:ext uri="{FF2B5EF4-FFF2-40B4-BE49-F238E27FC236}">
-                <a16:creationId xmlns:lc="http://schemas.openxmlformats.org/drawingml/2006/lockedCanvas" xmlns:arto="http://schemas.microsoft.com/office/word/2006/arto" xmlns:a16="http://schemas.microsoft.com/office/drawing/2014/main" xmlns="" xmlns:w="http://schemas.openxmlformats.org/wordprocessingml/2006/main" xmlns:w10="urn:schemas-microsoft-com:office:word" xmlns:v="urn:schemas-microsoft-com:vml" xmlns:o="urn:schemas-microsoft-com:office:office" xmlns:wps="http://schemas.microsoft.com/office/word/2010/wordprocessingShape" xmlns:wne="http://schemas.microsoft.com/office/word/2006/wordml" xmlns:wpi="http://schemas.microsoft.com/office/word/2010/wordprocessingInk" xmlns:wpg="http://schemas.microsoft.com/office/word/2010/wordprocessingGroup" xmlns:w15="http://schemas.microsoft.com/office/word/2012/wordml" xmlns:w14="http://schemas.microsoft.com/office/word/2010/wordml" xmlns:wp="http://schemas.openxmlformats.org/drawingml/2006/wordprocessingDrawing" xmlns:wp14="http://schemas.microsoft.com/office/word/2010/wordprocessingDrawing" xmlns:m="http://schemas.openxmlformats.org/officeDocument/2006/math" xmlns:mc="http://schemas.openxmlformats.org/markup-compatibility/2006" xmlns:wpc="http://schemas.microsoft.com/office/word/2010/wordprocessingCanvas" id="{BB074827-419C-485B-94D4-AA8BC747FE4E}"/>
+                <a16:creationId xmlns:wpc="http://schemas.microsoft.com/office/word/2010/wordprocessingCanvas" xmlns:mc="http://schemas.openxmlformats.org/markup-compatibility/2006" xmlns:m="http://schemas.openxmlformats.org/officeDocument/2006/math" xmlns:wp14="http://schemas.microsoft.com/office/word/2010/wordprocessingDrawing" xmlns:wp="http://schemas.openxmlformats.org/drawingml/2006/wordprocessingDrawing" xmlns:w14="http://schemas.microsoft.com/office/word/2010/wordml" xmlns:w15="http://schemas.microsoft.com/office/word/2012/wordml" xmlns:wpg="http://schemas.microsoft.com/office/word/2010/wordprocessingGroup" xmlns:wpi="http://schemas.microsoft.com/office/word/2010/wordprocessingInk" xmlns:wne="http://schemas.microsoft.com/office/word/2006/wordml" xmlns:wps="http://schemas.microsoft.com/office/word/2010/wordprocessingShape" xmlns:o="urn:schemas-microsoft-com:office:office" xmlns:v="urn:schemas-microsoft-com:vml" xmlns:w10="urn:schemas-microsoft-com:office:word" xmlns:w="http://schemas.openxmlformats.org/wordprocessingml/2006/main" xmlns="" xmlns:a16="http://schemas.microsoft.com/office/drawing/2014/main" xmlns:arto="http://schemas.microsoft.com/office/word/2006/arto" xmlns:lc="http://schemas.openxmlformats.org/drawingml/2006/lockedCanvas" id="{BB074827-419C-485B-94D4-AA8BC747FE4E}"/>
               </a:ext>
             </a:extLst>
           </p:cNvPr>
@@ -18038,26 +18054,6 @@
 </file>
 
 <file path=customXml/item1.xml><?xml version="1.0" encoding="utf-8"?>
-<p:properties xmlns:p="http://schemas.microsoft.com/office/2006/metadata/properties" xmlns:xsi="http://www.w3.org/2001/XMLSchema-instance" xmlns:pc="http://schemas.microsoft.com/office/infopath/2007/PartnerControls">
-  <documentManagement>
-    <_ip_UnifiedCompliancePolicyUIAction xmlns="http://schemas.microsoft.com/sharepoint/v3" xsi:nil="true"/>
-    <Image xmlns="71af3243-3dd4-4a8d-8c0d-dd76da1f02a5">
-      <Url xsi:nil="true"/>
-      <Description xsi:nil="true"/>
-    </Image>
-    <Status xmlns="71af3243-3dd4-4a8d-8c0d-dd76da1f02a5">Not started</Status>
-    <Background xmlns="71af3243-3dd4-4a8d-8c0d-dd76da1f02a5">false</Background>
-    <_ip_UnifiedCompliancePolicyProperties xmlns="http://schemas.microsoft.com/sharepoint/v3" xsi:nil="true"/>
-    <ImageTagsTaxHTField xmlns="71af3243-3dd4-4a8d-8c0d-dd76da1f02a5">
-      <Terms xmlns="http://schemas.microsoft.com/office/infopath/2007/PartnerControls"/>
-    </ImageTagsTaxHTField>
-    <TaxCatchAll xmlns="230e9df3-be65-4c73-a93b-d1236ebd677e" xsi:nil="true"/>
-    <MediaServiceKeyPoints xmlns="71af3243-3dd4-4a8d-8c0d-dd76da1f02a5" xsi:nil="true"/>
-  </documentManagement>
-</p:properties>
-</file>
-
-<file path=customXml/item2.xml><?xml version="1.0" encoding="utf-8"?>
 <?mso-contentType ?>
 <FormTemplates xmlns="http://schemas.microsoft.com/sharepoint/v3/contenttype/forms">
   <Display>DocumentLibraryForm</Display>
@@ -18066,7 +18062,7 @@
 </FormTemplates>
 </file>
 
-<file path=customXml/item3.xml><?xml version="1.0" encoding="utf-8"?>
+<file path=customXml/item2.xml><?xml version="1.0" encoding="utf-8"?>
 <ct:contentTypeSchema xmlns:ct="http://schemas.microsoft.com/office/2006/metadata/contentType" xmlns:ma="http://schemas.microsoft.com/office/2006/metadata/properties/metaAttributes" ct:_="" ma:_="" ma:contentTypeName="Document" ma:contentTypeID="0x01010079F111ED35F8CC479449609E8A0923A6" ma:contentTypeVersion="28" ma:contentTypeDescription="Create a new document." ma:contentTypeScope="" ma:versionID="60f5a4f2d2b0abadcf532d48ebf9cb71">
   <xsd:schema xmlns:xsd="http://www.w3.org/2001/XMLSchema" xmlns:xs="http://www.w3.org/2001/XMLSchema" xmlns:p="http://schemas.microsoft.com/office/2006/metadata/properties" xmlns:ns1="http://schemas.microsoft.com/sharepoint/v3" xmlns:ns2="71af3243-3dd4-4a8d-8c0d-dd76da1f02a5" xmlns:ns3="16c05727-aa75-4e4a-9b5f-8a80a1165891" xmlns:ns4="230e9df3-be65-4c73-a93b-d1236ebd677e" targetNamespace="http://schemas.microsoft.com/office/2006/metadata/properties" ma:root="true" ma:fieldsID="7dd78129e6a1811f84807ad11c651531" ns1:_="" ns2:_="" ns3:_="" ns4:_="">
     <xsd:import namespace="http://schemas.microsoft.com/sharepoint/v3"/>
@@ -18378,26 +18374,27 @@
 </ct:contentTypeSchema>
 </file>
 
-<file path=customXml/itemProps1.xml><?xml version="1.0" encoding="utf-8"?>
-<ds:datastoreItem xmlns:ds="http://schemas.openxmlformats.org/officeDocument/2006/customXml" ds:itemID="{CBDD27D0-5B6E-4A0E-95B2-BB37F9D88615}">
-  <ds:schemaRefs>
-    <ds:schemaRef ds:uri="http://schemas.microsoft.com/office/infopath/2007/PartnerControls"/>
-    <ds:schemaRef ds:uri="http://schemas.microsoft.com/office/2006/documentManagement/types"/>
-    <ds:schemaRef ds:uri="http://purl.org/dc/elements/1.1/"/>
-    <ds:schemaRef ds:uri="http://schemas.openxmlformats.org/package/2006/metadata/core-properties"/>
-    <ds:schemaRef ds:uri="http://schemas.microsoft.com/sharepoint/v3"/>
-    <ds:schemaRef ds:uri="71af3243-3dd4-4a8d-8c0d-dd76da1f02a5"/>
-    <ds:schemaRef ds:uri="http://www.w3.org/XML/1998/namespace"/>
-    <ds:schemaRef ds:uri="16c05727-aa75-4e4a-9b5f-8a80a1165891"/>
-    <ds:schemaRef ds:uri="http://schemas.microsoft.com/office/2006/metadata/properties"/>
-    <ds:schemaRef ds:uri="230e9df3-be65-4c73-a93b-d1236ebd677e"/>
-    <ds:schemaRef ds:uri="http://purl.org/dc/dcmitype/"/>
-    <ds:schemaRef ds:uri="http://purl.org/dc/terms/"/>
-  </ds:schemaRefs>
-</ds:datastoreItem>
+<file path=customXml/item3.xml><?xml version="1.0" encoding="utf-8"?>
+<p:properties xmlns:p="http://schemas.microsoft.com/office/2006/metadata/properties" xmlns:xsi="http://www.w3.org/2001/XMLSchema-instance" xmlns:pc="http://schemas.microsoft.com/office/infopath/2007/PartnerControls">
+  <documentManagement>
+    <_ip_UnifiedCompliancePolicyUIAction xmlns="http://schemas.microsoft.com/sharepoint/v3" xsi:nil="true"/>
+    <Image xmlns="71af3243-3dd4-4a8d-8c0d-dd76da1f02a5">
+      <Url xsi:nil="true"/>
+      <Description xsi:nil="true"/>
+    </Image>
+    <Status xmlns="71af3243-3dd4-4a8d-8c0d-dd76da1f02a5">Not started</Status>
+    <Background xmlns="71af3243-3dd4-4a8d-8c0d-dd76da1f02a5">false</Background>
+    <_ip_UnifiedCompliancePolicyProperties xmlns="http://schemas.microsoft.com/sharepoint/v3" xsi:nil="true"/>
+    <ImageTagsTaxHTField xmlns="71af3243-3dd4-4a8d-8c0d-dd76da1f02a5">
+      <Terms xmlns="http://schemas.microsoft.com/office/infopath/2007/PartnerControls"/>
+    </ImageTagsTaxHTField>
+    <TaxCatchAll xmlns="230e9df3-be65-4c73-a93b-d1236ebd677e" xsi:nil="true"/>
+    <MediaServiceKeyPoints xmlns="71af3243-3dd4-4a8d-8c0d-dd76da1f02a5" xsi:nil="true"/>
+  </documentManagement>
+</p:properties>
 </file>
 
-<file path=customXml/itemProps2.xml><?xml version="1.0" encoding="utf-8"?>
+<file path=customXml/itemProps1.xml><?xml version="1.0" encoding="utf-8"?>
 <ds:datastoreItem xmlns:ds="http://schemas.openxmlformats.org/officeDocument/2006/customXml" ds:itemID="{A98CD342-50C4-441F-B4A3-7D5ADB057132}">
   <ds:schemaRefs>
     <ds:schemaRef ds:uri="http://schemas.microsoft.com/sharepoint/v3/contenttype/forms"/>
@@ -18405,7 +18402,7 @@
 </ds:datastoreItem>
 </file>
 
-<file path=customXml/itemProps3.xml><?xml version="1.0" encoding="utf-8"?>
+<file path=customXml/itemProps2.xml><?xml version="1.0" encoding="utf-8"?>
 <ds:datastoreItem xmlns:ds="http://schemas.openxmlformats.org/officeDocument/2006/customXml" ds:itemID="{3FAE0208-DBD5-43E1-AC6B-D2AD9623F0B9}">
   <ds:schemaRefs>
     <ds:schemaRef ds:uri="http://schemas.microsoft.com/office/2006/metadata/contentType"/>
@@ -18426,6 +18423,25 @@
 </ds:datastoreItem>
 </file>
 
+<file path=customXml/itemProps3.xml><?xml version="1.0" encoding="utf-8"?>
+<ds:datastoreItem xmlns:ds="http://schemas.openxmlformats.org/officeDocument/2006/customXml" ds:itemID="{CBDD27D0-5B6E-4A0E-95B2-BB37F9D88615}">
+  <ds:schemaRefs>
+    <ds:schemaRef ds:uri="http://schemas.microsoft.com/office/infopath/2007/PartnerControls"/>
+    <ds:schemaRef ds:uri="http://schemas.microsoft.com/office/2006/documentManagement/types"/>
+    <ds:schemaRef ds:uri="http://purl.org/dc/elements/1.1/"/>
+    <ds:schemaRef ds:uri="http://schemas.openxmlformats.org/package/2006/metadata/core-properties"/>
+    <ds:schemaRef ds:uri="http://schemas.microsoft.com/sharepoint/v3"/>
+    <ds:schemaRef ds:uri="71af3243-3dd4-4a8d-8c0d-dd76da1f02a5"/>
+    <ds:schemaRef ds:uri="http://www.w3.org/XML/1998/namespace"/>
+    <ds:schemaRef ds:uri="16c05727-aa75-4e4a-9b5f-8a80a1165891"/>
+    <ds:schemaRef ds:uri="http://schemas.microsoft.com/office/2006/metadata/properties"/>
+    <ds:schemaRef ds:uri="230e9df3-be65-4c73-a93b-d1236ebd677e"/>
+    <ds:schemaRef ds:uri="http://purl.org/dc/dcmitype/"/>
+    <ds:schemaRef ds:uri="http://purl.org/dc/terms/"/>
+  </ds:schemaRefs>
+</ds:datastoreItem>
+</file>
+
 <file path=docMetadata/LabelInfo.xml><?xml version="1.0" encoding="utf-8"?>
 <clbl:labelList xmlns:clbl="http://schemas.microsoft.com/office/2020/mipLabelMetadata"/>
 </file>